--- a/Lesson2.pptx
+++ b/Lesson2.pptx
@@ -13,6 +13,11 @@
     <p:sldId id="259" r:id="rId7"/>
     <p:sldId id="266" r:id="rId8"/>
     <p:sldId id="267" r:id="rId9"/>
+    <p:sldId id="269" r:id="rId10"/>
+    <p:sldId id="270" r:id="rId11"/>
+    <p:sldId id="271" r:id="rId12"/>
+    <p:sldId id="268" r:id="rId13"/>
+    <p:sldId id="272" r:id="rId14"/>
   </p:sldIdLst>
   <p:sldSz cx="12192000" cy="6858000"/>
   <p:notesSz cx="6858000" cy="9144000"/>
@@ -311,7 +316,7 @@
             <a:fld id="{B61BEF0D-F0BB-DE4B-95CE-6DB70DBA9567}" type="datetimeFigureOut">
               <a:rPr lang="en-US" dirty="0"/>
               <a:pPr/>
-              <a:t>3/13/2017</a:t>
+              <a:t>3/20/2017</a:t>
             </a:fld>
             <a:endParaRPr lang="en-US" dirty="0"/>
           </a:p>
@@ -744,7 +749,7 @@
             <a:fld id="{B61BEF0D-F0BB-DE4B-95CE-6DB70DBA9567}" type="datetimeFigureOut">
               <a:rPr lang="en-US" dirty="0"/>
               <a:pPr/>
-              <a:t>3/13/2017</a:t>
+              <a:t>3/20/2017</a:t>
             </a:fld>
             <a:endParaRPr lang="en-US" dirty="0"/>
           </a:p>
@@ -991,7 +996,7 @@
             <a:fld id="{B61BEF0D-F0BB-DE4B-95CE-6DB70DBA9567}" type="datetimeFigureOut">
               <a:rPr lang="en-US" dirty="0"/>
               <a:pPr/>
-              <a:t>3/13/2017</a:t>
+              <a:t>3/20/2017</a:t>
             </a:fld>
             <a:endParaRPr lang="en-US" dirty="0"/>
           </a:p>
@@ -1296,7 +1301,7 @@
             <a:fld id="{B61BEF0D-F0BB-DE4B-95CE-6DB70DBA9567}" type="datetimeFigureOut">
               <a:rPr lang="en-US" dirty="0"/>
               <a:pPr/>
-              <a:t>3/13/2017</a:t>
+              <a:t>3/20/2017</a:t>
             </a:fld>
             <a:endParaRPr lang="en-US" dirty="0"/>
           </a:p>
@@ -1611,7 +1616,7 @@
             <a:fld id="{B61BEF0D-F0BB-DE4B-95CE-6DB70DBA9567}" type="datetimeFigureOut">
               <a:rPr lang="en-US" dirty="0"/>
               <a:pPr/>
-              <a:t>3/13/2017</a:t>
+              <a:t>3/20/2017</a:t>
             </a:fld>
             <a:endParaRPr lang="en-US" dirty="0"/>
           </a:p>
@@ -1910,7 +1915,7 @@
             <a:fld id="{B61BEF0D-F0BB-DE4B-95CE-6DB70DBA9567}" type="datetimeFigureOut">
               <a:rPr lang="en-US" dirty="0"/>
               <a:pPr/>
-              <a:t>3/13/2017</a:t>
+              <a:t>3/20/2017</a:t>
             </a:fld>
             <a:endParaRPr lang="en-US" dirty="0"/>
           </a:p>
@@ -2274,7 +2279,7 @@
             <a:fld id="{B61BEF0D-F0BB-DE4B-95CE-6DB70DBA9567}" type="datetimeFigureOut">
               <a:rPr lang="en-US" dirty="0"/>
               <a:pPr/>
-              <a:t>3/13/2017</a:t>
+              <a:t>3/20/2017</a:t>
             </a:fld>
             <a:endParaRPr lang="en-US" dirty="0"/>
           </a:p>
@@ -2445,7 +2450,7 @@
             <a:fld id="{B61BEF0D-F0BB-DE4B-95CE-6DB70DBA9567}" type="datetimeFigureOut">
               <a:rPr lang="en-US" dirty="0"/>
               <a:pPr/>
-              <a:t>3/13/2017</a:t>
+              <a:t>3/20/2017</a:t>
             </a:fld>
             <a:endParaRPr lang="en-US" dirty="0"/>
           </a:p>
@@ -2622,7 +2627,7 @@
             <a:fld id="{B61BEF0D-F0BB-DE4B-95CE-6DB70DBA9567}" type="datetimeFigureOut">
               <a:rPr lang="en-US" dirty="0"/>
               <a:pPr/>
-              <a:t>3/13/2017</a:t>
+              <a:t>3/20/2017</a:t>
             </a:fld>
             <a:endParaRPr lang="en-US" dirty="0"/>
           </a:p>
@@ -2789,7 +2794,7 @@
             <a:fld id="{B61BEF0D-F0BB-DE4B-95CE-6DB70DBA9567}" type="datetimeFigureOut">
               <a:rPr lang="en-US" dirty="0"/>
               <a:pPr/>
-              <a:t>3/13/2017</a:t>
+              <a:t>3/20/2017</a:t>
             </a:fld>
             <a:endParaRPr lang="en-US" dirty="0"/>
           </a:p>
@@ -3036,7 +3041,7 @@
             <a:fld id="{B61BEF0D-F0BB-DE4B-95CE-6DB70DBA9567}" type="datetimeFigureOut">
               <a:rPr lang="en-US" dirty="0"/>
               <a:pPr/>
-              <a:t>3/13/2017</a:t>
+              <a:t>3/20/2017</a:t>
             </a:fld>
             <a:endParaRPr lang="en-US" dirty="0"/>
           </a:p>
@@ -3269,7 +3274,7 @@
             <a:fld id="{B61BEF0D-F0BB-DE4B-95CE-6DB70DBA9567}" type="datetimeFigureOut">
               <a:rPr lang="en-US" dirty="0"/>
               <a:pPr/>
-              <a:t>3/13/2017</a:t>
+              <a:t>3/20/2017</a:t>
             </a:fld>
             <a:endParaRPr lang="en-US" dirty="0"/>
           </a:p>
@@ -3648,7 +3653,7 @@
             <a:fld id="{B61BEF0D-F0BB-DE4B-95CE-6DB70DBA9567}" type="datetimeFigureOut">
               <a:rPr lang="en-US" dirty="0"/>
               <a:pPr/>
-              <a:t>3/13/2017</a:t>
+              <a:t>3/20/2017</a:t>
             </a:fld>
             <a:endParaRPr lang="en-US" dirty="0"/>
           </a:p>
@@ -3763,7 +3768,7 @@
             <a:fld id="{B61BEF0D-F0BB-DE4B-95CE-6DB70DBA9567}" type="datetimeFigureOut">
               <a:rPr lang="en-US" dirty="0"/>
               <a:pPr/>
-              <a:t>3/13/2017</a:t>
+              <a:t>3/20/2017</a:t>
             </a:fld>
             <a:endParaRPr lang="en-US" dirty="0"/>
           </a:p>
@@ -3855,7 +3860,7 @@
             <a:fld id="{B61BEF0D-F0BB-DE4B-95CE-6DB70DBA9567}" type="datetimeFigureOut">
               <a:rPr lang="en-US" dirty="0"/>
               <a:pPr/>
-              <a:t>3/13/2017</a:t>
+              <a:t>3/20/2017</a:t>
             </a:fld>
             <a:endParaRPr lang="en-US" dirty="0"/>
           </a:p>
@@ -4107,7 +4112,7 @@
             <a:fld id="{B61BEF0D-F0BB-DE4B-95CE-6DB70DBA9567}" type="datetimeFigureOut">
               <a:rPr lang="en-US" dirty="0"/>
               <a:pPr/>
-              <a:t>3/13/2017</a:t>
+              <a:t>3/20/2017</a:t>
             </a:fld>
             <a:endParaRPr lang="en-US" dirty="0"/>
           </a:p>
@@ -4387,7 +4392,7 @@
             <a:fld id="{B61BEF0D-F0BB-DE4B-95CE-6DB70DBA9567}" type="datetimeFigureOut">
               <a:rPr lang="en-US" dirty="0"/>
               <a:pPr/>
-              <a:t>3/13/2017</a:t>
+              <a:t>3/20/2017</a:t>
             </a:fld>
             <a:endParaRPr lang="en-US" dirty="0"/>
           </a:p>
@@ -4790,7 +4795,7 @@
             <a:fld id="{B61BEF0D-F0BB-DE4B-95CE-6DB70DBA9567}" type="datetimeFigureOut">
               <a:rPr lang="en-US" dirty="0"/>
               <a:pPr/>
-              <a:t>3/13/2017</a:t>
+              <a:t>3/20/2017</a:t>
             </a:fld>
             <a:endParaRPr lang="en-US" dirty="0"/>
           </a:p>
@@ -5380,6 +5385,1184 @@
 </p:sld>
 </file>
 
+<file path=ppt/slides/slide10.xml><?xml version="1.0" encoding="utf-8"?>
+<p:sld xmlns:a="http://schemas.openxmlformats.org/drawingml/2006/main" xmlns:r="http://schemas.openxmlformats.org/officeDocument/2006/relationships" xmlns:p="http://schemas.openxmlformats.org/presentationml/2006/main">
+  <p:cSld>
+    <p:spTree>
+      <p:nvGrpSpPr>
+        <p:cNvPr id="1" name=""/>
+        <p:cNvGrpSpPr/>
+        <p:nvPr/>
+      </p:nvGrpSpPr>
+      <p:grpSpPr>
+        <a:xfrm>
+          <a:off x="0" y="0"/>
+          <a:ext cx="0" cy="0"/>
+          <a:chOff x="0" y="0"/>
+          <a:chExt cx="0" cy="0"/>
+        </a:xfrm>
+      </p:grpSpPr>
+      <p:sp>
+        <p:nvSpPr>
+          <p:cNvPr id="4" name="文字方塊 3"/>
+          <p:cNvSpPr txBox="1"/>
+          <p:nvPr/>
+        </p:nvSpPr>
+        <p:spPr>
+          <a:xfrm>
+            <a:off x="1130060" y="362309"/>
+            <a:ext cx="7401465" cy="861774"/>
+          </a:xfrm>
+          <a:prstGeom prst="rect">
+            <a:avLst/>
+          </a:prstGeom>
+          <a:noFill/>
+        </p:spPr>
+        <p:txBody>
+          <a:bodyPr wrap="square" rtlCol="0">
+            <a:spAutoFit/>
+          </a:bodyPr>
+          <a:lstStyle/>
+          <a:p>
+            <a:r>
+              <a:rPr lang="en-US" altLang="zh-TW" sz="5000" dirty="0" smtClean="0">
+                <a:latin typeface="華康粗圓體(P)" panose="020F0700000000000000" pitchFamily="34" charset="-120"/>
+                <a:ea typeface="華康粗圓體(P)" panose="020F0700000000000000" pitchFamily="34" charset="-120"/>
+              </a:rPr>
+              <a:t>Action</a:t>
+            </a:r>
+            <a:r>
+              <a:rPr lang="zh-TW" altLang="en-US" sz="5000" dirty="0" smtClean="0">
+                <a:latin typeface="華康粗圓體(P)" panose="020F0700000000000000" pitchFamily="34" charset="-120"/>
+                <a:ea typeface="華康粗圓體(P)" panose="020F0700000000000000" pitchFamily="34" charset="-120"/>
+              </a:rPr>
+              <a:t> 細說</a:t>
+            </a:r>
+            <a:endParaRPr lang="zh-TW" altLang="en-US" sz="5000" dirty="0">
+              <a:latin typeface="華康粗圓體(P)" panose="020F0700000000000000" pitchFamily="34" charset="-120"/>
+              <a:ea typeface="華康粗圓體(P)" panose="020F0700000000000000" pitchFamily="34" charset="-120"/>
+            </a:endParaRPr>
+          </a:p>
+        </p:txBody>
+      </p:sp>
+      <p:sp>
+        <p:nvSpPr>
+          <p:cNvPr id="5" name="文字方塊 4"/>
+          <p:cNvSpPr txBox="1"/>
+          <p:nvPr/>
+        </p:nvSpPr>
+        <p:spPr>
+          <a:xfrm>
+            <a:off x="909721" y="2895048"/>
+            <a:ext cx="10765767" cy="1169551"/>
+          </a:xfrm>
+          <a:prstGeom prst="rect">
+            <a:avLst/>
+          </a:prstGeom>
+          <a:noFill/>
+        </p:spPr>
+        <p:txBody>
+          <a:bodyPr wrap="square" rtlCol="0">
+            <a:spAutoFit/>
+          </a:bodyPr>
+          <a:lstStyle/>
+          <a:p>
+            <a:r>
+              <a:rPr lang="en-US" altLang="zh-TW" sz="3500" dirty="0" smtClean="0">
+                <a:latin typeface="華康粗圓體(P)" panose="020F0700000000000000" pitchFamily="34" charset="-120"/>
+                <a:ea typeface="華康粗圓體(P)" panose="020F0700000000000000" pitchFamily="34" charset="-120"/>
+              </a:rPr>
+              <a:t>Action</a:t>
+            </a:r>
+            <a:r>
+              <a:rPr lang="zh-TW" altLang="en-US" sz="3500" dirty="0" smtClean="0">
+                <a:latin typeface="華康粗圓體(P)" panose="020F0700000000000000" pitchFamily="34" charset="-120"/>
+                <a:ea typeface="華康粗圓體(P)" panose="020F0700000000000000" pitchFamily="34" charset="-120"/>
+              </a:rPr>
+              <a:t>其中掌管的一件事就是</a:t>
+            </a:r>
+            <a:r>
+              <a:rPr lang="en-US" altLang="zh-TW" sz="3500" dirty="0" smtClean="0">
+                <a:latin typeface="華康粗圓體(P)" panose="020F0700000000000000" pitchFamily="34" charset="-120"/>
+                <a:ea typeface="華康粗圓體(P)" panose="020F0700000000000000" pitchFamily="34" charset="-120"/>
+              </a:rPr>
+              <a:t>View</a:t>
+            </a:r>
+            <a:r>
+              <a:rPr lang="zh-TW" altLang="en-US" sz="3500" dirty="0" smtClean="0">
+                <a:latin typeface="華康粗圓體(P)" panose="020F0700000000000000" pitchFamily="34" charset="-120"/>
+                <a:ea typeface="華康粗圓體(P)" panose="020F0700000000000000" pitchFamily="34" charset="-120"/>
+              </a:rPr>
+              <a:t>的輸出，因此我們可以用</a:t>
+            </a:r>
+            <a:r>
+              <a:rPr lang="en-US" altLang="zh-TW" sz="3500" dirty="0" smtClean="0">
+                <a:latin typeface="華康粗圓體(P)" panose="020F0700000000000000" pitchFamily="34" charset="-120"/>
+                <a:ea typeface="華康粗圓體(P)" panose="020F0700000000000000" pitchFamily="34" charset="-120"/>
+              </a:rPr>
+              <a:t>Action</a:t>
+            </a:r>
+            <a:r>
+              <a:rPr lang="zh-TW" altLang="en-US" sz="3500" dirty="0" smtClean="0">
+                <a:latin typeface="華康粗圓體(P)" panose="020F0700000000000000" pitchFamily="34" charset="-120"/>
+                <a:ea typeface="華康粗圓體(P)" panose="020F0700000000000000" pitchFamily="34" charset="-120"/>
+              </a:rPr>
+              <a:t>來顯示出我們想要的</a:t>
+            </a:r>
+            <a:r>
+              <a:rPr lang="en-US" altLang="zh-TW" sz="3500" dirty="0" smtClean="0">
+                <a:latin typeface="華康粗圓體(P)" panose="020F0700000000000000" pitchFamily="34" charset="-120"/>
+                <a:ea typeface="華康粗圓體(P)" panose="020F0700000000000000" pitchFamily="34" charset="-120"/>
+              </a:rPr>
+              <a:t>View</a:t>
+            </a:r>
+          </a:p>
+        </p:txBody>
+      </p:sp>
+    </p:spTree>
+    <p:extLst>
+      <p:ext uri="{BB962C8B-B14F-4D97-AF65-F5344CB8AC3E}">
+        <p14:creationId xmlns:p14="http://schemas.microsoft.com/office/powerpoint/2010/main" val="2841008001"/>
+      </p:ext>
+    </p:extLst>
+  </p:cSld>
+  <p:clrMapOvr>
+    <a:masterClrMapping/>
+  </p:clrMapOvr>
+</p:sld>
+</file>
+
+<file path=ppt/slides/slide11.xml><?xml version="1.0" encoding="utf-8"?>
+<p:sld xmlns:a="http://schemas.openxmlformats.org/drawingml/2006/main" xmlns:r="http://schemas.openxmlformats.org/officeDocument/2006/relationships" xmlns:p="http://schemas.openxmlformats.org/presentationml/2006/main">
+  <p:cSld>
+    <p:spTree>
+      <p:nvGrpSpPr>
+        <p:cNvPr id="1" name=""/>
+        <p:cNvGrpSpPr/>
+        <p:nvPr/>
+      </p:nvGrpSpPr>
+      <p:grpSpPr>
+        <a:xfrm>
+          <a:off x="0" y="0"/>
+          <a:ext cx="0" cy="0"/>
+          <a:chOff x="0" y="0"/>
+          <a:chExt cx="0" cy="0"/>
+        </a:xfrm>
+      </p:grpSpPr>
+      <p:sp>
+        <p:nvSpPr>
+          <p:cNvPr id="4" name="文字方塊 3"/>
+          <p:cNvSpPr txBox="1"/>
+          <p:nvPr/>
+        </p:nvSpPr>
+        <p:spPr>
+          <a:xfrm>
+            <a:off x="1130060" y="362309"/>
+            <a:ext cx="7401465" cy="861774"/>
+          </a:xfrm>
+          <a:prstGeom prst="rect">
+            <a:avLst/>
+          </a:prstGeom>
+          <a:noFill/>
+        </p:spPr>
+        <p:txBody>
+          <a:bodyPr wrap="square" rtlCol="0">
+            <a:spAutoFit/>
+          </a:bodyPr>
+          <a:lstStyle/>
+          <a:p>
+            <a:r>
+              <a:rPr lang="zh-TW" altLang="en-US" sz="5000" dirty="0" smtClean="0">
+                <a:latin typeface="華康粗圓體(P)" panose="020F0700000000000000" pitchFamily="34" charset="-120"/>
+                <a:ea typeface="華康粗圓體(P)" panose="020F0700000000000000" pitchFamily="34" charset="-120"/>
+              </a:rPr>
+              <a:t>如何執行</a:t>
+            </a:r>
+            <a:r>
+              <a:rPr lang="en-US" altLang="zh-TW" sz="5000" dirty="0" smtClean="0">
+                <a:latin typeface="華康粗圓體(P)" panose="020F0700000000000000" pitchFamily="34" charset="-120"/>
+                <a:ea typeface="華康粗圓體(P)" panose="020F0700000000000000" pitchFamily="34" charset="-120"/>
+              </a:rPr>
+              <a:t>Action?</a:t>
+            </a:r>
+            <a:endParaRPr lang="zh-TW" altLang="en-US" sz="5000" dirty="0">
+              <a:latin typeface="華康粗圓體(P)" panose="020F0700000000000000" pitchFamily="34" charset="-120"/>
+              <a:ea typeface="華康粗圓體(P)" panose="020F0700000000000000" pitchFamily="34" charset="-120"/>
+            </a:endParaRPr>
+          </a:p>
+        </p:txBody>
+      </p:sp>
+      <p:sp>
+        <p:nvSpPr>
+          <p:cNvPr id="5" name="文字方塊 4"/>
+          <p:cNvSpPr txBox="1"/>
+          <p:nvPr/>
+        </p:nvSpPr>
+        <p:spPr>
+          <a:xfrm>
+            <a:off x="788536" y="1606072"/>
+            <a:ext cx="10765767" cy="1169551"/>
+          </a:xfrm>
+          <a:prstGeom prst="rect">
+            <a:avLst/>
+          </a:prstGeom>
+          <a:noFill/>
+        </p:spPr>
+        <p:txBody>
+          <a:bodyPr wrap="square" rtlCol="0">
+            <a:spAutoFit/>
+          </a:bodyPr>
+          <a:lstStyle/>
+          <a:p>
+            <a:r>
+              <a:rPr lang="zh-TW" altLang="en-US" sz="3500" dirty="0" smtClean="0">
+                <a:latin typeface="華康粗圓體(P)" panose="020F0700000000000000" pitchFamily="34" charset="-120"/>
+                <a:ea typeface="華康粗圓體(P)" panose="020F0700000000000000" pitchFamily="34" charset="-120"/>
+              </a:rPr>
+              <a:t>使用</a:t>
+            </a:r>
+            <a:r>
+              <a:rPr lang="en-US" altLang="zh-TW" sz="3500" dirty="0" smtClean="0">
+                <a:latin typeface="華康粗圓體(P)" panose="020F0700000000000000" pitchFamily="34" charset="-120"/>
+                <a:ea typeface="華康粗圓體(P)" panose="020F0700000000000000" pitchFamily="34" charset="-120"/>
+              </a:rPr>
+              <a:t>Url</a:t>
+            </a:r>
+            <a:r>
+              <a:rPr lang="zh-TW" altLang="en-US" sz="3500" dirty="0" smtClean="0">
+                <a:latin typeface="華康粗圓體(P)" panose="020F0700000000000000" pitchFamily="34" charset="-120"/>
+                <a:ea typeface="華康粗圓體(P)" panose="020F0700000000000000" pitchFamily="34" charset="-120"/>
+              </a:rPr>
+              <a:t>來控制</a:t>
+            </a:r>
+            <a:r>
+              <a:rPr lang="en-US" altLang="zh-TW" sz="3500" dirty="0" smtClean="0">
+                <a:latin typeface="華康粗圓體(P)" panose="020F0700000000000000" pitchFamily="34" charset="-120"/>
+                <a:ea typeface="華康粗圓體(P)" panose="020F0700000000000000" pitchFamily="34" charset="-120"/>
+              </a:rPr>
+              <a:t>!!!!</a:t>
+            </a:r>
+          </a:p>
+          <a:p>
+            <a:r>
+              <a:rPr lang="en-US" altLang="zh-TW" sz="3500" dirty="0" smtClean="0">
+                <a:latin typeface="華康粗圓體(P)" panose="020F0700000000000000" pitchFamily="34" charset="-120"/>
+                <a:ea typeface="華康粗圓體(P)" panose="020F0700000000000000" pitchFamily="34" charset="-120"/>
+              </a:rPr>
+              <a:t>Ex</a:t>
+            </a:r>
+            <a:r>
+              <a:rPr lang="en-US" altLang="zh-TW" sz="3500" dirty="0">
+                <a:latin typeface="華康粗圓體(P)" panose="020F0700000000000000" pitchFamily="34" charset="-120"/>
+                <a:ea typeface="華康粗圓體(P)" panose="020F0700000000000000" pitchFamily="34" charset="-120"/>
+              </a:rPr>
+              <a:t>. http://</a:t>
+            </a:r>
+            <a:r>
+              <a:rPr lang="en-US" altLang="zh-TW" sz="3500" dirty="0" smtClean="0">
+                <a:solidFill>
+                  <a:schemeClr val="accent6">
+                    <a:lumMod val="40000"/>
+                    <a:lumOff val="60000"/>
+                  </a:schemeClr>
+                </a:solidFill>
+                <a:latin typeface="華康粗圓體(P)" panose="020F0700000000000000" pitchFamily="34" charset="-120"/>
+                <a:ea typeface="華康粗圓體(P)" panose="020F0700000000000000" pitchFamily="34" charset="-120"/>
+              </a:rPr>
+              <a:t>localhost:60151</a:t>
+            </a:r>
+            <a:r>
+              <a:rPr lang="en-US" altLang="zh-TW" sz="3500" dirty="0" smtClean="0">
+                <a:latin typeface="華康粗圓體(P)" panose="020F0700000000000000" pitchFamily="34" charset="-120"/>
+                <a:ea typeface="華康粗圓體(P)" panose="020F0700000000000000" pitchFamily="34" charset="-120"/>
+              </a:rPr>
+              <a:t>/</a:t>
+            </a:r>
+            <a:r>
+              <a:rPr lang="en-US" altLang="zh-TW" sz="3500" dirty="0" smtClean="0">
+                <a:solidFill>
+                  <a:srgbClr val="FFFF00"/>
+                </a:solidFill>
+                <a:latin typeface="華康粗圓體(P)" panose="020F0700000000000000" pitchFamily="34" charset="-120"/>
+                <a:ea typeface="華康粗圓體(P)" panose="020F0700000000000000" pitchFamily="34" charset="-120"/>
+              </a:rPr>
+              <a:t>Home</a:t>
+            </a:r>
+            <a:r>
+              <a:rPr lang="en-US" altLang="zh-TW" sz="3500" dirty="0" smtClean="0">
+                <a:latin typeface="華康粗圓體(P)" panose="020F0700000000000000" pitchFamily="34" charset="-120"/>
+                <a:ea typeface="華康粗圓體(P)" panose="020F0700000000000000" pitchFamily="34" charset="-120"/>
+              </a:rPr>
+              <a:t>/</a:t>
+            </a:r>
+            <a:r>
+              <a:rPr lang="en-US" altLang="zh-TW" sz="3500" dirty="0" smtClean="0">
+                <a:solidFill>
+                  <a:schemeClr val="bg1">
+                    <a:lumMod val="65000"/>
+                    <a:lumOff val="35000"/>
+                  </a:schemeClr>
+                </a:solidFill>
+                <a:latin typeface="華康粗圓體(P)" panose="020F0700000000000000" pitchFamily="34" charset="-120"/>
+                <a:ea typeface="華康粗圓體(P)" panose="020F0700000000000000" pitchFamily="34" charset="-120"/>
+              </a:rPr>
+              <a:t>Lesson1</a:t>
+            </a:r>
+          </a:p>
+        </p:txBody>
+      </p:sp>
+      <p:sp>
+        <p:nvSpPr>
+          <p:cNvPr id="7" name="文字方塊 6"/>
+          <p:cNvSpPr txBox="1"/>
+          <p:nvPr/>
+        </p:nvSpPr>
+        <p:spPr>
+          <a:xfrm>
+            <a:off x="2635904" y="3108809"/>
+            <a:ext cx="1989551" cy="630942"/>
+          </a:xfrm>
+          <a:prstGeom prst="rect">
+            <a:avLst/>
+          </a:prstGeom>
+          <a:noFill/>
+        </p:spPr>
+        <p:txBody>
+          <a:bodyPr wrap="square" rtlCol="0">
+            <a:spAutoFit/>
+          </a:bodyPr>
+          <a:lstStyle/>
+          <a:p>
+            <a:r>
+              <a:rPr lang="zh-TW" altLang="en-US" sz="3500" dirty="0" smtClean="0">
+                <a:solidFill>
+                  <a:schemeClr val="accent6">
+                    <a:lumMod val="40000"/>
+                    <a:lumOff val="60000"/>
+                  </a:schemeClr>
+                </a:solidFill>
+                <a:latin typeface="華康粗圓體(P)" panose="020F0700000000000000" pitchFamily="34" charset="-120"/>
+                <a:ea typeface="華康粗圓體(P)" panose="020F0700000000000000" pitchFamily="34" charset="-120"/>
+              </a:rPr>
+              <a:t>主機</a:t>
+            </a:r>
+            <a:r>
+              <a:rPr lang="zh-TW" altLang="en-US" sz="3500" dirty="0">
+                <a:solidFill>
+                  <a:schemeClr val="accent6">
+                    <a:lumMod val="40000"/>
+                    <a:lumOff val="60000"/>
+                  </a:schemeClr>
+                </a:solidFill>
+                <a:latin typeface="華康粗圓體(P)" panose="020F0700000000000000" pitchFamily="34" charset="-120"/>
+                <a:ea typeface="華康粗圓體(P)" panose="020F0700000000000000" pitchFamily="34" charset="-120"/>
+              </a:rPr>
+              <a:t>地址</a:t>
+            </a:r>
+            <a:endParaRPr lang="en-US" altLang="zh-TW" sz="3500" dirty="0" smtClean="0">
+              <a:solidFill>
+                <a:schemeClr val="accent6">
+                  <a:lumMod val="40000"/>
+                  <a:lumOff val="60000"/>
+                </a:schemeClr>
+              </a:solidFill>
+              <a:latin typeface="華康粗圓體(P)" panose="020F0700000000000000" pitchFamily="34" charset="-120"/>
+              <a:ea typeface="華康粗圓體(P)" panose="020F0700000000000000" pitchFamily="34" charset="-120"/>
+            </a:endParaRPr>
+          </a:p>
+        </p:txBody>
+      </p:sp>
+      <p:sp>
+        <p:nvSpPr>
+          <p:cNvPr id="8" name="文字方塊 7"/>
+          <p:cNvSpPr txBox="1"/>
+          <p:nvPr/>
+        </p:nvSpPr>
+        <p:spPr>
+          <a:xfrm>
+            <a:off x="4559698" y="3629703"/>
+            <a:ext cx="3223441" cy="630942"/>
+          </a:xfrm>
+          <a:prstGeom prst="rect">
+            <a:avLst/>
+          </a:prstGeom>
+          <a:noFill/>
+        </p:spPr>
+        <p:txBody>
+          <a:bodyPr wrap="square" rtlCol="0">
+            <a:spAutoFit/>
+          </a:bodyPr>
+          <a:lstStyle/>
+          <a:p>
+            <a:r>
+              <a:rPr lang="en-US" altLang="zh-TW" sz="3500" dirty="0" smtClean="0">
+                <a:solidFill>
+                  <a:srgbClr val="FFFF00"/>
+                </a:solidFill>
+                <a:latin typeface="華康粗圓體(P)" panose="020F0700000000000000" pitchFamily="34" charset="-120"/>
+                <a:ea typeface="華康粗圓體(P)" panose="020F0700000000000000" pitchFamily="34" charset="-120"/>
+              </a:rPr>
+              <a:t>Controller Name</a:t>
+            </a:r>
+          </a:p>
+        </p:txBody>
+      </p:sp>
+      <p:sp>
+        <p:nvSpPr>
+          <p:cNvPr id="9" name="文字方塊 8"/>
+          <p:cNvSpPr txBox="1"/>
+          <p:nvPr/>
+        </p:nvSpPr>
+        <p:spPr>
+          <a:xfrm>
+            <a:off x="7273798" y="2775623"/>
+            <a:ext cx="3223441" cy="630942"/>
+          </a:xfrm>
+          <a:prstGeom prst="rect">
+            <a:avLst/>
+          </a:prstGeom>
+          <a:noFill/>
+        </p:spPr>
+        <p:txBody>
+          <a:bodyPr wrap="square" rtlCol="0">
+            <a:spAutoFit/>
+          </a:bodyPr>
+          <a:lstStyle/>
+          <a:p>
+            <a:r>
+              <a:rPr lang="en-US" altLang="zh-TW" sz="3500" dirty="0" smtClean="0">
+                <a:solidFill>
+                  <a:schemeClr val="bg1">
+                    <a:lumMod val="65000"/>
+                    <a:lumOff val="35000"/>
+                  </a:schemeClr>
+                </a:solidFill>
+                <a:latin typeface="華康粗圓體(P)" panose="020F0700000000000000" pitchFamily="34" charset="-120"/>
+                <a:ea typeface="華康粗圓體(P)" panose="020F0700000000000000" pitchFamily="34" charset="-120"/>
+              </a:rPr>
+              <a:t>Action Name</a:t>
+            </a:r>
+          </a:p>
+        </p:txBody>
+      </p:sp>
+      <p:cxnSp>
+        <p:nvCxnSpPr>
+          <p:cNvPr id="11" name="直線單箭頭接點 10"/>
+          <p:cNvCxnSpPr>
+            <a:stCxn id="8" idx="0"/>
+            <a:endCxn id="5" idx="2"/>
+          </p:cNvCxnSpPr>
+          <p:nvPr/>
+        </p:nvCxnSpPr>
+        <p:spPr>
+          <a:xfrm flipV="1">
+            <a:off x="6171419" y="2775623"/>
+            <a:ext cx="1" cy="854080"/>
+          </a:xfrm>
+          <a:prstGeom prst="straightConnector1">
+            <a:avLst/>
+          </a:prstGeom>
+          <a:ln>
+            <a:solidFill>
+              <a:schemeClr val="bg1">
+                <a:alpha val="60000"/>
+              </a:schemeClr>
+            </a:solidFill>
+            <a:tailEnd type="triangle"/>
+          </a:ln>
+        </p:spPr>
+        <p:style>
+          <a:lnRef idx="1">
+            <a:schemeClr val="accent1"/>
+          </a:lnRef>
+          <a:fillRef idx="0">
+            <a:schemeClr val="accent1"/>
+          </a:fillRef>
+          <a:effectRef idx="0">
+            <a:schemeClr val="accent1"/>
+          </a:effectRef>
+          <a:fontRef idx="minor">
+            <a:schemeClr val="tx1"/>
+          </a:fontRef>
+        </p:style>
+      </p:cxnSp>
+      <p:cxnSp>
+        <p:nvCxnSpPr>
+          <p:cNvPr id="14" name="直線單箭頭接點 13"/>
+          <p:cNvCxnSpPr/>
+          <p:nvPr/>
+        </p:nvCxnSpPr>
+        <p:spPr>
+          <a:xfrm flipH="1" flipV="1">
+            <a:off x="8097397" y="2748854"/>
+            <a:ext cx="187287" cy="209320"/>
+          </a:xfrm>
+          <a:prstGeom prst="straightConnector1">
+            <a:avLst/>
+          </a:prstGeom>
+          <a:ln>
+            <a:solidFill>
+              <a:schemeClr val="bg1">
+                <a:alpha val="60000"/>
+              </a:schemeClr>
+            </a:solidFill>
+            <a:tailEnd type="triangle"/>
+          </a:ln>
+        </p:spPr>
+        <p:style>
+          <a:lnRef idx="1">
+            <a:schemeClr val="accent1"/>
+          </a:lnRef>
+          <a:fillRef idx="0">
+            <a:schemeClr val="accent1"/>
+          </a:fillRef>
+          <a:effectRef idx="0">
+            <a:schemeClr val="accent1"/>
+          </a:effectRef>
+          <a:fontRef idx="minor">
+            <a:schemeClr val="tx1"/>
+          </a:fontRef>
+        </p:style>
+      </p:cxnSp>
+      <p:cxnSp>
+        <p:nvCxnSpPr>
+          <p:cNvPr id="19" name="直線單箭頭接點 18"/>
+          <p:cNvCxnSpPr/>
+          <p:nvPr/>
+        </p:nvCxnSpPr>
+        <p:spPr>
+          <a:xfrm flipV="1">
+            <a:off x="3914795" y="2726820"/>
+            <a:ext cx="44068" cy="381989"/>
+          </a:xfrm>
+          <a:prstGeom prst="straightConnector1">
+            <a:avLst/>
+          </a:prstGeom>
+          <a:ln>
+            <a:solidFill>
+              <a:schemeClr val="bg1">
+                <a:alpha val="60000"/>
+              </a:schemeClr>
+            </a:solidFill>
+            <a:tailEnd type="triangle"/>
+          </a:ln>
+        </p:spPr>
+        <p:style>
+          <a:lnRef idx="1">
+            <a:schemeClr val="accent1"/>
+          </a:lnRef>
+          <a:fillRef idx="0">
+            <a:schemeClr val="accent1"/>
+          </a:fillRef>
+          <a:effectRef idx="0">
+            <a:schemeClr val="accent1"/>
+          </a:effectRef>
+          <a:fontRef idx="minor">
+            <a:schemeClr val="tx1"/>
+          </a:fontRef>
+        </p:style>
+      </p:cxnSp>
+    </p:spTree>
+    <p:extLst>
+      <p:ext uri="{BB962C8B-B14F-4D97-AF65-F5344CB8AC3E}">
+        <p14:creationId xmlns:p14="http://schemas.microsoft.com/office/powerpoint/2010/main" val="2265175187"/>
+      </p:ext>
+    </p:extLst>
+  </p:cSld>
+  <p:clrMapOvr>
+    <a:masterClrMapping/>
+  </p:clrMapOvr>
+</p:sld>
+</file>
+
+<file path=ppt/slides/slide12.xml><?xml version="1.0" encoding="utf-8"?>
+<p:sld xmlns:a="http://schemas.openxmlformats.org/drawingml/2006/main" xmlns:r="http://schemas.openxmlformats.org/officeDocument/2006/relationships" xmlns:p="http://schemas.openxmlformats.org/presentationml/2006/main">
+  <p:cSld>
+    <p:spTree>
+      <p:nvGrpSpPr>
+        <p:cNvPr id="1" name=""/>
+        <p:cNvGrpSpPr/>
+        <p:nvPr/>
+      </p:nvGrpSpPr>
+      <p:grpSpPr>
+        <a:xfrm>
+          <a:off x="0" y="0"/>
+          <a:ext cx="0" cy="0"/>
+          <a:chOff x="0" y="0"/>
+          <a:chExt cx="0" cy="0"/>
+        </a:xfrm>
+      </p:grpSpPr>
+      <p:sp>
+        <p:nvSpPr>
+          <p:cNvPr id="4" name="文字方塊 3"/>
+          <p:cNvSpPr txBox="1"/>
+          <p:nvPr/>
+        </p:nvSpPr>
+        <p:spPr>
+          <a:xfrm>
+            <a:off x="1130060" y="362309"/>
+            <a:ext cx="7401465" cy="861774"/>
+          </a:xfrm>
+          <a:prstGeom prst="rect">
+            <a:avLst/>
+          </a:prstGeom>
+          <a:noFill/>
+        </p:spPr>
+        <p:txBody>
+          <a:bodyPr wrap="square" rtlCol="0">
+            <a:spAutoFit/>
+          </a:bodyPr>
+          <a:lstStyle/>
+          <a:p>
+            <a:r>
+              <a:rPr lang="en-US" altLang="zh-TW" sz="5000" dirty="0" smtClean="0">
+                <a:latin typeface="華康粗圓體(P)" panose="020F0700000000000000" pitchFamily="34" charset="-120"/>
+                <a:ea typeface="華康粗圓體(P)" panose="020F0700000000000000" pitchFamily="34" charset="-120"/>
+              </a:rPr>
+              <a:t>HTTP?</a:t>
+            </a:r>
+            <a:r>
+              <a:rPr lang="zh-TW" altLang="en-US" sz="5000" dirty="0" smtClean="0">
+                <a:latin typeface="華康粗圓體(P)" panose="020F0700000000000000" pitchFamily="34" charset="-120"/>
+                <a:ea typeface="華康粗圓體(P)" panose="020F0700000000000000" pitchFamily="34" charset="-120"/>
+              </a:rPr>
+              <a:t> </a:t>
+            </a:r>
+            <a:r>
+              <a:rPr lang="en-US" altLang="zh-TW" sz="5000" dirty="0" smtClean="0">
+                <a:latin typeface="華康粗圓體(P)" panose="020F0700000000000000" pitchFamily="34" charset="-120"/>
+                <a:ea typeface="華康粗圓體(P)" panose="020F0700000000000000" pitchFamily="34" charset="-120"/>
+              </a:rPr>
+              <a:t>Get?</a:t>
+            </a:r>
+          </a:p>
+        </p:txBody>
+      </p:sp>
+      <p:sp>
+        <p:nvSpPr>
+          <p:cNvPr id="5" name="文字方塊 4"/>
+          <p:cNvSpPr txBox="1"/>
+          <p:nvPr/>
+        </p:nvSpPr>
+        <p:spPr>
+          <a:xfrm>
+            <a:off x="544883" y="1484887"/>
+            <a:ext cx="10765767" cy="630942"/>
+          </a:xfrm>
+          <a:prstGeom prst="rect">
+            <a:avLst/>
+          </a:prstGeom>
+          <a:noFill/>
+        </p:spPr>
+        <p:txBody>
+          <a:bodyPr wrap="square" rtlCol="0">
+            <a:spAutoFit/>
+          </a:bodyPr>
+          <a:lstStyle/>
+          <a:p>
+            <a:r>
+              <a:rPr lang="en-US" altLang="zh-TW" sz="3500" dirty="0" smtClean="0">
+                <a:latin typeface="華康粗圓體(P)" panose="020F0700000000000000" pitchFamily="34" charset="-120"/>
+                <a:ea typeface="華康粗圓體(P)" panose="020F0700000000000000" pitchFamily="34" charset="-120"/>
+              </a:rPr>
+              <a:t>HTTP </a:t>
+            </a:r>
+            <a:r>
+              <a:rPr lang="zh-TW" altLang="en-US" sz="3500" dirty="0" smtClean="0">
+                <a:latin typeface="華康粗圓體(P)" panose="020F0700000000000000" pitchFamily="34" charset="-120"/>
+                <a:ea typeface="華康粗圓體(P)" panose="020F0700000000000000" pitchFamily="34" charset="-120"/>
+              </a:rPr>
+              <a:t>是網頁之間傳輸的協定</a:t>
+            </a:r>
+            <a:endParaRPr lang="en-US" altLang="zh-TW" sz="3500" dirty="0" smtClean="0">
+              <a:latin typeface="華康粗圓體(P)" panose="020F0700000000000000" pitchFamily="34" charset="-120"/>
+              <a:ea typeface="華康粗圓體(P)" panose="020F0700000000000000" pitchFamily="34" charset="-120"/>
+            </a:endParaRPr>
+          </a:p>
+        </p:txBody>
+      </p:sp>
+      <p:sp>
+        <p:nvSpPr>
+          <p:cNvPr id="6" name="文字方塊 5"/>
+          <p:cNvSpPr txBox="1"/>
+          <p:nvPr/>
+        </p:nvSpPr>
+        <p:spPr>
+          <a:xfrm>
+            <a:off x="544883" y="2192773"/>
+            <a:ext cx="11331300" cy="630942"/>
+          </a:xfrm>
+          <a:prstGeom prst="rect">
+            <a:avLst/>
+          </a:prstGeom>
+          <a:noFill/>
+        </p:spPr>
+        <p:txBody>
+          <a:bodyPr wrap="square" rtlCol="0">
+            <a:spAutoFit/>
+          </a:bodyPr>
+          <a:lstStyle/>
+          <a:p>
+            <a:r>
+              <a:rPr lang="en-US" altLang="zh-TW" sz="3500" dirty="0" smtClean="0">
+                <a:latin typeface="華康粗圓體(P)" panose="020F0700000000000000" pitchFamily="34" charset="-120"/>
+                <a:ea typeface="華康粗圓體(P)" panose="020F0700000000000000" pitchFamily="34" charset="-120"/>
+              </a:rPr>
+              <a:t>Get</a:t>
+            </a:r>
+            <a:r>
+              <a:rPr lang="zh-TW" altLang="en-US" sz="3500" dirty="0" smtClean="0">
+                <a:latin typeface="華康粗圓體(P)" panose="020F0700000000000000" pitchFamily="34" charset="-120"/>
+                <a:ea typeface="華康粗圓體(P)" panose="020F0700000000000000" pitchFamily="34" charset="-120"/>
+              </a:rPr>
+              <a:t> 是</a:t>
+            </a:r>
+            <a:r>
+              <a:rPr lang="en-US" altLang="zh-TW" sz="3500" dirty="0" smtClean="0">
+                <a:latin typeface="華康粗圓體(P)" panose="020F0700000000000000" pitchFamily="34" charset="-120"/>
+                <a:ea typeface="華康粗圓體(P)" panose="020F0700000000000000" pitchFamily="34" charset="-120"/>
+              </a:rPr>
+              <a:t>HTTP</a:t>
+            </a:r>
+            <a:r>
+              <a:rPr lang="zh-TW" altLang="en-US" sz="3500" dirty="0" smtClean="0">
+                <a:latin typeface="華康粗圓體(P)" panose="020F0700000000000000" pitchFamily="34" charset="-120"/>
+                <a:ea typeface="華康粗圓體(P)" panose="020F0700000000000000" pitchFamily="34" charset="-120"/>
+              </a:rPr>
+              <a:t>中其中一種傳輸方法</a:t>
+            </a:r>
+            <a:r>
+              <a:rPr lang="en-US" altLang="zh-TW" sz="3500" dirty="0" smtClean="0">
+                <a:latin typeface="華康粗圓體(P)" panose="020F0700000000000000" pitchFamily="34" charset="-120"/>
+                <a:ea typeface="華康粗圓體(P)" panose="020F0700000000000000" pitchFamily="34" charset="-120"/>
+              </a:rPr>
+              <a:t>(Request Method)</a:t>
+            </a:r>
+            <a:endParaRPr lang="en-US" altLang="zh-TW" sz="3500" dirty="0" smtClean="0">
+              <a:latin typeface="華康粗圓體(P)" panose="020F0700000000000000" pitchFamily="34" charset="-120"/>
+              <a:ea typeface="華康粗圓體(P)" panose="020F0700000000000000" pitchFamily="34" charset="-120"/>
+            </a:endParaRPr>
+          </a:p>
+        </p:txBody>
+      </p:sp>
+      <p:sp>
+        <p:nvSpPr>
+          <p:cNvPr id="7" name="文字方塊 6"/>
+          <p:cNvSpPr txBox="1"/>
+          <p:nvPr/>
+        </p:nvSpPr>
+        <p:spPr>
+          <a:xfrm>
+            <a:off x="544883" y="2900659"/>
+            <a:ext cx="11647117" cy="1169551"/>
+          </a:xfrm>
+          <a:prstGeom prst="rect">
+            <a:avLst/>
+          </a:prstGeom>
+          <a:noFill/>
+        </p:spPr>
+        <p:txBody>
+          <a:bodyPr wrap="square" rtlCol="0">
+            <a:spAutoFit/>
+          </a:bodyPr>
+          <a:lstStyle/>
+          <a:p>
+            <a:r>
+              <a:rPr lang="en-US" altLang="zh-TW" sz="3500" dirty="0">
+                <a:latin typeface="華康粗圓體(P)" panose="020F0700000000000000" pitchFamily="34" charset="-120"/>
+                <a:ea typeface="華康粗圓體(P)" panose="020F0700000000000000" pitchFamily="34" charset="-120"/>
+              </a:rPr>
+              <a:t>Ex</a:t>
+            </a:r>
+            <a:r>
+              <a:rPr lang="en-US" altLang="zh-TW" sz="3500" dirty="0" smtClean="0">
+                <a:latin typeface="華康粗圓體(P)" panose="020F0700000000000000" pitchFamily="34" charset="-120"/>
+                <a:ea typeface="華康粗圓體(P)" panose="020F0700000000000000" pitchFamily="34" charset="-120"/>
+              </a:rPr>
+              <a:t>.</a:t>
+            </a:r>
+          </a:p>
+          <a:p>
+            <a:r>
+              <a:rPr lang="en-US" altLang="zh-TW" sz="3500" dirty="0" smtClean="0">
+                <a:latin typeface="華康粗圓體(P)" panose="020F0700000000000000" pitchFamily="34" charset="-120"/>
+                <a:ea typeface="華康粗圓體(P)" panose="020F0700000000000000" pitchFamily="34" charset="-120"/>
+              </a:rPr>
+              <a:t> </a:t>
+            </a:r>
+            <a:r>
+              <a:rPr lang="en-US" altLang="zh-TW" sz="3500" dirty="0">
+                <a:latin typeface="華康粗圓體(P)" panose="020F0700000000000000" pitchFamily="34" charset="-120"/>
+                <a:ea typeface="華康粗圓體(P)" panose="020F0700000000000000" pitchFamily="34" charset="-120"/>
+              </a:rPr>
+              <a:t>https://tw.search.yahoo.com/search?</a:t>
+            </a:r>
+            <a:r>
+              <a:rPr lang="en-US" altLang="zh-TW" sz="3500" dirty="0">
+                <a:solidFill>
+                  <a:schemeClr val="accent5"/>
+                </a:solidFill>
+                <a:latin typeface="華康粗圓體(P)" panose="020F0700000000000000" pitchFamily="34" charset="-120"/>
+                <a:ea typeface="華康粗圓體(P)" panose="020F0700000000000000" pitchFamily="34" charset="-120"/>
+              </a:rPr>
+              <a:t>fr=yfp-search-sb&amp;p=apple</a:t>
+            </a:r>
+            <a:endParaRPr lang="en-US" altLang="zh-TW" sz="3500" dirty="0" smtClean="0">
+              <a:solidFill>
+                <a:schemeClr val="accent5"/>
+              </a:solidFill>
+              <a:latin typeface="華康粗圓體(P)" panose="020F0700000000000000" pitchFamily="34" charset="-120"/>
+              <a:ea typeface="華康粗圓體(P)" panose="020F0700000000000000" pitchFamily="34" charset="-120"/>
+            </a:endParaRPr>
+          </a:p>
+        </p:txBody>
+      </p:sp>
+      <p:sp>
+        <p:nvSpPr>
+          <p:cNvPr id="8" name="文字方塊 7"/>
+          <p:cNvSpPr txBox="1"/>
+          <p:nvPr/>
+        </p:nvSpPr>
+        <p:spPr>
+          <a:xfrm>
+            <a:off x="544883" y="4958977"/>
+            <a:ext cx="4886433" cy="630942"/>
+          </a:xfrm>
+          <a:prstGeom prst="rect">
+            <a:avLst/>
+          </a:prstGeom>
+          <a:noFill/>
+        </p:spPr>
+        <p:txBody>
+          <a:bodyPr wrap="square" rtlCol="0">
+            <a:spAutoFit/>
+          </a:bodyPr>
+          <a:lstStyle/>
+          <a:p>
+            <a:r>
+              <a:rPr lang="en-US" altLang="zh-TW" sz="3500" dirty="0" smtClean="0">
+                <a:solidFill>
+                  <a:schemeClr val="accent5"/>
+                </a:solidFill>
+                <a:latin typeface="華康粗圓體(P)" panose="020F0700000000000000" pitchFamily="34" charset="-120"/>
+                <a:ea typeface="華康粗圓體(P)" panose="020F0700000000000000" pitchFamily="34" charset="-120"/>
+              </a:rPr>
+              <a:t>fr=yfp-search-sb&amp;p=apple</a:t>
+            </a:r>
+            <a:endParaRPr lang="en-US" altLang="zh-TW" sz="3500" dirty="0" smtClean="0">
+              <a:solidFill>
+                <a:schemeClr val="accent5"/>
+              </a:solidFill>
+              <a:latin typeface="華康粗圓體(P)" panose="020F0700000000000000" pitchFamily="34" charset="-120"/>
+              <a:ea typeface="華康粗圓體(P)" panose="020F0700000000000000" pitchFamily="34" charset="-120"/>
+            </a:endParaRPr>
+          </a:p>
+        </p:txBody>
+      </p:sp>
+      <p:sp>
+        <p:nvSpPr>
+          <p:cNvPr id="10" name="文字方塊 9"/>
+          <p:cNvSpPr txBox="1"/>
+          <p:nvPr/>
+        </p:nvSpPr>
+        <p:spPr>
+          <a:xfrm>
+            <a:off x="6657408" y="4505449"/>
+            <a:ext cx="4886433" cy="1708160"/>
+          </a:xfrm>
+          <a:prstGeom prst="rect">
+            <a:avLst/>
+          </a:prstGeom>
+          <a:noFill/>
+        </p:spPr>
+        <p:txBody>
+          <a:bodyPr wrap="square" rtlCol="0">
+            <a:spAutoFit/>
+          </a:bodyPr>
+          <a:lstStyle/>
+          <a:p>
+            <a:r>
+              <a:rPr lang="en-US" altLang="zh-TW" sz="3500" dirty="0" smtClean="0">
+                <a:solidFill>
+                  <a:schemeClr val="accent5"/>
+                </a:solidFill>
+                <a:latin typeface="華康粗圓體(P)" panose="020F0700000000000000" pitchFamily="34" charset="-120"/>
+                <a:ea typeface="華康粗圓體(P)" panose="020F0700000000000000" pitchFamily="34" charset="-120"/>
+              </a:rPr>
+              <a:t>fr = yfp-search-sb</a:t>
+            </a:r>
+          </a:p>
+          <a:p>
+            <a:r>
+              <a:rPr lang="en-US" altLang="zh-TW" sz="3500" dirty="0" smtClean="0">
+                <a:solidFill>
+                  <a:schemeClr val="accent5"/>
+                </a:solidFill>
+                <a:latin typeface="華康粗圓體(P)" panose="020F0700000000000000" pitchFamily="34" charset="-120"/>
+                <a:ea typeface="華康粗圓體(P)" panose="020F0700000000000000" pitchFamily="34" charset="-120"/>
+              </a:rPr>
+              <a:t>		&amp;</a:t>
+            </a:r>
+          </a:p>
+          <a:p>
+            <a:r>
+              <a:rPr lang="en-US" altLang="zh-TW" sz="3500" dirty="0" smtClean="0">
+                <a:solidFill>
+                  <a:schemeClr val="accent5"/>
+                </a:solidFill>
+                <a:latin typeface="華康粗圓體(P)" panose="020F0700000000000000" pitchFamily="34" charset="-120"/>
+                <a:ea typeface="華康粗圓體(P)" panose="020F0700000000000000" pitchFamily="34" charset="-120"/>
+              </a:rPr>
+              <a:t>p  = apple</a:t>
+            </a:r>
+            <a:endParaRPr lang="en-US" altLang="zh-TW" sz="3500" dirty="0">
+              <a:solidFill>
+                <a:schemeClr val="accent5"/>
+              </a:solidFill>
+              <a:latin typeface="華康粗圓體(P)" panose="020F0700000000000000" pitchFamily="34" charset="-120"/>
+              <a:ea typeface="華康粗圓體(P)" panose="020F0700000000000000" pitchFamily="34" charset="-120"/>
+            </a:endParaRPr>
+          </a:p>
+        </p:txBody>
+      </p:sp>
+      <p:sp>
+        <p:nvSpPr>
+          <p:cNvPr id="11" name="文字方塊 10"/>
+          <p:cNvSpPr txBox="1"/>
+          <p:nvPr/>
+        </p:nvSpPr>
+        <p:spPr>
+          <a:xfrm>
+            <a:off x="5672317" y="4958977"/>
+            <a:ext cx="744090" cy="630942"/>
+          </a:xfrm>
+          <a:prstGeom prst="rect">
+            <a:avLst/>
+          </a:prstGeom>
+          <a:noFill/>
+        </p:spPr>
+        <p:txBody>
+          <a:bodyPr wrap="square" rtlCol="0">
+            <a:spAutoFit/>
+          </a:bodyPr>
+          <a:lstStyle/>
+          <a:p>
+            <a:r>
+              <a:rPr lang="en-US" altLang="zh-TW" sz="3500" dirty="0" smtClean="0">
+                <a:solidFill>
+                  <a:schemeClr val="accent5"/>
+                </a:solidFill>
+                <a:latin typeface="華康粗圓體(P)" panose="020F0700000000000000" pitchFamily="34" charset="-120"/>
+                <a:ea typeface="華康粗圓體(P)" panose="020F0700000000000000" pitchFamily="34" charset="-120"/>
+              </a:rPr>
+              <a:t>=&gt;</a:t>
+            </a:r>
+            <a:endParaRPr lang="en-US" altLang="zh-TW" sz="3500" dirty="0" smtClean="0">
+              <a:solidFill>
+                <a:schemeClr val="accent5"/>
+              </a:solidFill>
+              <a:latin typeface="華康粗圓體(P)" panose="020F0700000000000000" pitchFamily="34" charset="-120"/>
+              <a:ea typeface="華康粗圓體(P)" panose="020F0700000000000000" pitchFamily="34" charset="-120"/>
+            </a:endParaRPr>
+          </a:p>
+        </p:txBody>
+      </p:sp>
+    </p:spTree>
+    <p:extLst>
+      <p:ext uri="{BB962C8B-B14F-4D97-AF65-F5344CB8AC3E}">
+        <p14:creationId xmlns:p14="http://schemas.microsoft.com/office/powerpoint/2010/main" val="1114613628"/>
+      </p:ext>
+    </p:extLst>
+  </p:cSld>
+  <p:clrMapOvr>
+    <a:masterClrMapping/>
+  </p:clrMapOvr>
+</p:sld>
+</file>
+
+<file path=ppt/slides/slide13.xml><?xml version="1.0" encoding="utf-8"?>
+<p:sld xmlns:a="http://schemas.openxmlformats.org/drawingml/2006/main" xmlns:r="http://schemas.openxmlformats.org/officeDocument/2006/relationships" xmlns:p="http://schemas.openxmlformats.org/presentationml/2006/main">
+  <p:cSld>
+    <p:spTree>
+      <p:nvGrpSpPr>
+        <p:cNvPr id="1" name=""/>
+        <p:cNvGrpSpPr/>
+        <p:nvPr/>
+      </p:nvGrpSpPr>
+      <p:grpSpPr>
+        <a:xfrm>
+          <a:off x="0" y="0"/>
+          <a:ext cx="0" cy="0"/>
+          <a:chOff x="0" y="0"/>
+          <a:chExt cx="0" cy="0"/>
+        </a:xfrm>
+      </p:grpSpPr>
+      <p:sp>
+        <p:nvSpPr>
+          <p:cNvPr id="4" name="文字方塊 3"/>
+          <p:cNvSpPr txBox="1"/>
+          <p:nvPr/>
+        </p:nvSpPr>
+        <p:spPr>
+          <a:xfrm>
+            <a:off x="1130060" y="362309"/>
+            <a:ext cx="7401465" cy="861774"/>
+          </a:xfrm>
+          <a:prstGeom prst="rect">
+            <a:avLst/>
+          </a:prstGeom>
+          <a:noFill/>
+        </p:spPr>
+        <p:txBody>
+          <a:bodyPr wrap="square" rtlCol="0">
+            <a:spAutoFit/>
+          </a:bodyPr>
+          <a:lstStyle/>
+          <a:p>
+            <a:r>
+              <a:rPr lang="en-US" altLang="zh-TW" sz="5000" dirty="0" smtClean="0">
+                <a:latin typeface="華康粗圓體(P)" panose="020F0700000000000000" pitchFamily="34" charset="-120"/>
+                <a:ea typeface="華康粗圓體(P)" panose="020F0700000000000000" pitchFamily="34" charset="-120"/>
+              </a:rPr>
+              <a:t>Model</a:t>
+            </a:r>
+            <a:r>
+              <a:rPr lang="zh-TW" altLang="en-US" sz="5000" dirty="0" smtClean="0">
+                <a:latin typeface="華康粗圓體(P)" panose="020F0700000000000000" pitchFamily="34" charset="-120"/>
+                <a:ea typeface="華康粗圓體(P)" panose="020F0700000000000000" pitchFamily="34" charset="-120"/>
+              </a:rPr>
+              <a:t> 細說</a:t>
+            </a:r>
+            <a:endParaRPr lang="zh-TW" altLang="en-US" sz="5000" dirty="0">
+              <a:latin typeface="華康粗圓體(P)" panose="020F0700000000000000" pitchFamily="34" charset="-120"/>
+              <a:ea typeface="華康粗圓體(P)" panose="020F0700000000000000" pitchFamily="34" charset="-120"/>
+            </a:endParaRPr>
+          </a:p>
+        </p:txBody>
+      </p:sp>
+      <p:sp>
+        <p:nvSpPr>
+          <p:cNvPr id="5" name="文字方塊 4"/>
+          <p:cNvSpPr txBox="1"/>
+          <p:nvPr/>
+        </p:nvSpPr>
+        <p:spPr>
+          <a:xfrm>
+            <a:off x="557182" y="2707761"/>
+            <a:ext cx="10765767" cy="1708160"/>
+          </a:xfrm>
+          <a:prstGeom prst="rect">
+            <a:avLst/>
+          </a:prstGeom>
+          <a:noFill/>
+        </p:spPr>
+        <p:txBody>
+          <a:bodyPr wrap="square" rtlCol="0">
+            <a:spAutoFit/>
+          </a:bodyPr>
+          <a:lstStyle/>
+          <a:p>
+            <a:r>
+              <a:rPr lang="en-US" altLang="zh-TW" sz="3500" dirty="0" smtClean="0">
+                <a:latin typeface="華康粗圓體(P)" panose="020F0700000000000000" pitchFamily="34" charset="-120"/>
+                <a:ea typeface="華康粗圓體(P)" panose="020F0700000000000000" pitchFamily="34" charset="-120"/>
+              </a:rPr>
+              <a:t>Model</a:t>
+            </a:r>
+            <a:r>
+              <a:rPr lang="zh-TW" altLang="en-US" sz="3500" dirty="0" smtClean="0">
+                <a:latin typeface="華康粗圓體(P)" panose="020F0700000000000000" pitchFamily="34" charset="-120"/>
+                <a:ea typeface="華康粗圓體(P)" panose="020F0700000000000000" pitchFamily="34" charset="-120"/>
+              </a:rPr>
+              <a:t>像是一種容器，一種資料的容器。</a:t>
+            </a:r>
+            <a:endParaRPr lang="en-US" altLang="zh-TW" sz="3500" dirty="0" smtClean="0">
+              <a:latin typeface="華康粗圓體(P)" panose="020F0700000000000000" pitchFamily="34" charset="-120"/>
+              <a:ea typeface="華康粗圓體(P)" panose="020F0700000000000000" pitchFamily="34" charset="-120"/>
+            </a:endParaRPr>
+          </a:p>
+          <a:p>
+            <a:r>
+              <a:rPr lang="zh-TW" altLang="en-US" sz="3500" dirty="0" smtClean="0">
+                <a:latin typeface="華康粗圓體(P)" panose="020F0700000000000000" pitchFamily="34" charset="-120"/>
+                <a:ea typeface="華康粗圓體(P)" panose="020F0700000000000000" pitchFamily="34" charset="-120"/>
+              </a:rPr>
+              <a:t>因此我們要先預設好</a:t>
+            </a:r>
+            <a:r>
+              <a:rPr lang="en-US" altLang="zh-TW" sz="3500" dirty="0" smtClean="0">
+                <a:latin typeface="華康粗圓體(P)" panose="020F0700000000000000" pitchFamily="34" charset="-120"/>
+                <a:ea typeface="華康粗圓體(P)" panose="020F0700000000000000" pitchFamily="34" charset="-120"/>
+              </a:rPr>
+              <a:t>Model</a:t>
+            </a:r>
+            <a:r>
+              <a:rPr lang="zh-TW" altLang="en-US" sz="3500" dirty="0" smtClean="0">
+                <a:latin typeface="華康粗圓體(P)" panose="020F0700000000000000" pitchFamily="34" charset="-120"/>
+                <a:ea typeface="華康粗圓體(P)" panose="020F0700000000000000" pitchFamily="34" charset="-120"/>
+              </a:rPr>
+              <a:t>中可以裝進哪些資料，必須定義出</a:t>
+            </a:r>
+            <a:r>
+              <a:rPr lang="zh-TW" altLang="en-US" sz="3500" dirty="0" smtClean="0">
+                <a:solidFill>
+                  <a:schemeClr val="accent6">
+                    <a:lumMod val="40000"/>
+                    <a:lumOff val="60000"/>
+                  </a:schemeClr>
+                </a:solidFill>
+                <a:latin typeface="華康粗圓體(P)" panose="020F0700000000000000" pitchFamily="34" charset="-120"/>
+                <a:ea typeface="華康粗圓體(P)" panose="020F0700000000000000" pitchFamily="34" charset="-120"/>
+              </a:rPr>
+              <a:t>資料的名字</a:t>
+            </a:r>
+            <a:r>
+              <a:rPr lang="zh-TW" altLang="en-US" sz="3500" dirty="0" smtClean="0">
+                <a:latin typeface="華康粗圓體(P)" panose="020F0700000000000000" pitchFamily="34" charset="-120"/>
+                <a:ea typeface="華康粗圓體(P)" panose="020F0700000000000000" pitchFamily="34" charset="-120"/>
+              </a:rPr>
+              <a:t>以及</a:t>
+            </a:r>
+            <a:r>
+              <a:rPr lang="zh-TW" altLang="en-US" sz="3500" dirty="0" smtClean="0">
+                <a:solidFill>
+                  <a:schemeClr val="accent6">
+                    <a:lumMod val="40000"/>
+                    <a:lumOff val="60000"/>
+                  </a:schemeClr>
+                </a:solidFill>
+                <a:latin typeface="華康粗圓體(P)" panose="020F0700000000000000" pitchFamily="34" charset="-120"/>
+                <a:ea typeface="華康粗圓體(P)" panose="020F0700000000000000" pitchFamily="34" charset="-120"/>
+              </a:rPr>
+              <a:t>資料的屬性</a:t>
+            </a:r>
+            <a:r>
+              <a:rPr lang="zh-TW" altLang="en-US" sz="3500" dirty="0" smtClean="0">
+                <a:latin typeface="華康粗圓體(P)" panose="020F0700000000000000" pitchFamily="34" charset="-120"/>
+                <a:ea typeface="華康粗圓體(P)" panose="020F0700000000000000" pitchFamily="34" charset="-120"/>
+              </a:rPr>
+              <a:t>。</a:t>
+            </a:r>
+            <a:endParaRPr lang="en-US" altLang="zh-TW" sz="3500" dirty="0" smtClean="0">
+              <a:latin typeface="華康粗圓體(P)" panose="020F0700000000000000" pitchFamily="34" charset="-120"/>
+              <a:ea typeface="華康粗圓體(P)" panose="020F0700000000000000" pitchFamily="34" charset="-120"/>
+            </a:endParaRPr>
+          </a:p>
+        </p:txBody>
+      </p:sp>
+    </p:spTree>
+    <p:extLst>
+      <p:ext uri="{BB962C8B-B14F-4D97-AF65-F5344CB8AC3E}">
+        <p14:creationId xmlns:p14="http://schemas.microsoft.com/office/powerpoint/2010/main" val="124071722"/>
+      </p:ext>
+    </p:extLst>
+  </p:cSld>
+  <p:clrMapOvr>
+    <a:masterClrMapping/>
+  </p:clrMapOvr>
+</p:sld>
+</file>
+
 <file path=ppt/slides/slide2.xml><?xml version="1.0" encoding="utf-8"?>
 <p:sld xmlns:a="http://schemas.openxmlformats.org/drawingml/2006/main" xmlns:r="http://schemas.openxmlformats.org/officeDocument/2006/relationships" xmlns:p="http://schemas.openxmlformats.org/presentationml/2006/main">
   <p:cSld>
@@ -5482,14 +6665,7 @@
                 <a:latin typeface="華康粗圓體(P)" panose="020F0700000000000000" pitchFamily="34" charset="-120"/>
                 <a:ea typeface="華康粗圓體(P)" panose="020F0700000000000000" pitchFamily="34" charset="-120"/>
               </a:rPr>
-              <a:t>後端工程</a:t>
-            </a:r>
-            <a:r>
-              <a:rPr lang="zh-TW" altLang="en-US" sz="4000" dirty="0" smtClean="0">
-                <a:latin typeface="華康粗圓體(P)" panose="020F0700000000000000" pitchFamily="34" charset="-120"/>
-                <a:ea typeface="華康粗圓體(P)" panose="020F0700000000000000" pitchFamily="34" charset="-120"/>
-              </a:rPr>
-              <a:t>師負責資料庫與伺服器內部的程式碼，資料庫用來儲存每個使用者的資料，伺服器的程式碼用來處理外部傳來的訊息</a:t>
+              <a:t>後端工程師負責資料庫與伺服器內部的程式碼，資料庫用來儲存每個使用者的資料，伺服器的程式碼用來處理外部傳來的訊息</a:t>
             </a:r>
             <a:r>
               <a:rPr lang="en-US" altLang="zh-TW" sz="4000" dirty="0" smtClean="0">
@@ -6458,6 +7634,200 @@
               </a:rPr>
               <a:t>request</a:t>
             </a:r>
+          </a:p>
+        </p:txBody>
+      </p:sp>
+      <p:sp>
+        <p:nvSpPr>
+          <p:cNvPr id="7" name="文字方塊 6"/>
+          <p:cNvSpPr txBox="1"/>
+          <p:nvPr/>
+        </p:nvSpPr>
+        <p:spPr>
+          <a:xfrm>
+            <a:off x="412117" y="1948093"/>
+            <a:ext cx="7153249" cy="477054"/>
+          </a:xfrm>
+          <a:prstGeom prst="rect">
+            <a:avLst/>
+          </a:prstGeom>
+          <a:noFill/>
+        </p:spPr>
+        <p:txBody>
+          <a:bodyPr wrap="square" rtlCol="0">
+            <a:spAutoFit/>
+          </a:bodyPr>
+          <a:lstStyle/>
+          <a:p>
+            <a:r>
+              <a:rPr lang="en-US" altLang="zh-TW" sz="2500" dirty="0" smtClean="0">
+                <a:latin typeface="華康粗圓體(P)" panose="020F0700000000000000" pitchFamily="34" charset="-120"/>
+                <a:ea typeface="華康粗圓體(P)" panose="020F0700000000000000" pitchFamily="34" charset="-120"/>
+              </a:rPr>
+              <a:t>Controller </a:t>
+            </a:r>
+            <a:r>
+              <a:rPr lang="zh-TW" altLang="en-US" sz="2500" dirty="0" smtClean="0">
+                <a:latin typeface="華康粗圓體(P)" panose="020F0700000000000000" pitchFamily="34" charset="-120"/>
+                <a:ea typeface="華康粗圓體(P)" panose="020F0700000000000000" pitchFamily="34" charset="-120"/>
+              </a:rPr>
+              <a:t>處理</a:t>
+            </a:r>
+            <a:r>
+              <a:rPr lang="en-US" altLang="zh-TW" sz="2500" dirty="0" smtClean="0">
+                <a:latin typeface="華康粗圓體(P)" panose="020F0700000000000000" pitchFamily="34" charset="-120"/>
+                <a:ea typeface="華康粗圓體(P)" panose="020F0700000000000000" pitchFamily="34" charset="-120"/>
+              </a:rPr>
+              <a:t>request(</a:t>
+            </a:r>
+            <a:r>
+              <a:rPr lang="zh-TW" altLang="en-US" sz="2500" dirty="0" smtClean="0">
+                <a:latin typeface="華康粗圓體(P)" panose="020F0700000000000000" pitchFamily="34" charset="-120"/>
+                <a:ea typeface="華康粗圓體(P)" panose="020F0700000000000000" pitchFamily="34" charset="-120"/>
+              </a:rPr>
+              <a:t>是否需要</a:t>
+            </a:r>
+            <a:r>
+              <a:rPr lang="en-US" altLang="zh-TW" sz="2500" dirty="0" smtClean="0">
+                <a:latin typeface="華康粗圓體(P)" panose="020F0700000000000000" pitchFamily="34" charset="-120"/>
+                <a:ea typeface="華康粗圓體(P)" panose="020F0700000000000000" pitchFamily="34" charset="-120"/>
+              </a:rPr>
+              <a:t>Model</a:t>
+            </a:r>
+            <a:r>
+              <a:rPr lang="zh-TW" altLang="en-US" sz="2500" dirty="0" smtClean="0">
+                <a:latin typeface="華康粗圓體(P)" panose="020F0700000000000000" pitchFamily="34" charset="-120"/>
+                <a:ea typeface="華康粗圓體(P)" panose="020F0700000000000000" pitchFamily="34" charset="-120"/>
+              </a:rPr>
+              <a:t> 或是 </a:t>
+            </a:r>
+            <a:r>
+              <a:rPr lang="en-US" altLang="zh-TW" sz="2500" dirty="0" smtClean="0">
+                <a:latin typeface="華康粗圓體(P)" panose="020F0700000000000000" pitchFamily="34" charset="-120"/>
+                <a:ea typeface="華康粗圓體(P)" panose="020F0700000000000000" pitchFamily="34" charset="-120"/>
+              </a:rPr>
+              <a:t>View)</a:t>
+            </a:r>
+          </a:p>
+        </p:txBody>
+      </p:sp>
+      <p:sp>
+        <p:nvSpPr>
+          <p:cNvPr id="8" name="文字方塊 7"/>
+          <p:cNvSpPr txBox="1"/>
+          <p:nvPr/>
+        </p:nvSpPr>
+        <p:spPr>
+          <a:xfrm>
+            <a:off x="412117" y="2667827"/>
+            <a:ext cx="7843361" cy="477054"/>
+          </a:xfrm>
+          <a:prstGeom prst="rect">
+            <a:avLst/>
+          </a:prstGeom>
+          <a:noFill/>
+        </p:spPr>
+        <p:txBody>
+          <a:bodyPr wrap="square" rtlCol="0">
+            <a:spAutoFit/>
+          </a:bodyPr>
+          <a:lstStyle/>
+          <a:p>
+            <a:r>
+              <a:rPr lang="en-US" altLang="zh-TW" sz="2500" dirty="0" smtClean="0">
+                <a:latin typeface="華康粗圓體(P)" panose="020F0700000000000000" pitchFamily="34" charset="-120"/>
+                <a:ea typeface="華康粗圓體(P)" panose="020F0700000000000000" pitchFamily="34" charset="-120"/>
+              </a:rPr>
+              <a:t>Controller </a:t>
+            </a:r>
+            <a:r>
+              <a:rPr lang="zh-TW" altLang="en-US" sz="2500" dirty="0" smtClean="0">
+                <a:latin typeface="華康粗圓體(P)" panose="020F0700000000000000" pitchFamily="34" charset="-120"/>
+                <a:ea typeface="華康粗圓體(P)" panose="020F0700000000000000" pitchFamily="34" charset="-120"/>
+              </a:rPr>
+              <a:t>叫</a:t>
+            </a:r>
+            <a:r>
+              <a:rPr lang="en-US" altLang="zh-TW" sz="2500" dirty="0" smtClean="0">
+                <a:latin typeface="華康粗圓體(P)" panose="020F0700000000000000" pitchFamily="34" charset="-120"/>
+                <a:ea typeface="華康粗圓體(P)" panose="020F0700000000000000" pitchFamily="34" charset="-120"/>
+              </a:rPr>
+              <a:t>Model</a:t>
+            </a:r>
+            <a:r>
+              <a:rPr lang="zh-TW" altLang="en-US" sz="2500" dirty="0" smtClean="0">
+                <a:latin typeface="華康粗圓體(P)" panose="020F0700000000000000" pitchFamily="34" charset="-120"/>
+                <a:ea typeface="華康粗圓體(P)" panose="020F0700000000000000" pitchFamily="34" charset="-120"/>
+              </a:rPr>
+              <a:t>從資料庫拿資料 並回傳給 </a:t>
+            </a:r>
+            <a:r>
+              <a:rPr lang="en-US" altLang="zh-TW" sz="2500" dirty="0" smtClean="0">
+                <a:latin typeface="華康粗圓體(P)" panose="020F0700000000000000" pitchFamily="34" charset="-120"/>
+                <a:ea typeface="華康粗圓體(P)" panose="020F0700000000000000" pitchFamily="34" charset="-120"/>
+              </a:rPr>
+              <a:t>controller</a:t>
+            </a:r>
+          </a:p>
+        </p:txBody>
+      </p:sp>
+      <p:sp>
+        <p:nvSpPr>
+          <p:cNvPr id="9" name="文字方塊 8"/>
+          <p:cNvSpPr txBox="1"/>
+          <p:nvPr/>
+        </p:nvSpPr>
+        <p:spPr>
+          <a:xfrm>
+            <a:off x="412118" y="3387561"/>
+            <a:ext cx="4936260" cy="477054"/>
+          </a:xfrm>
+          <a:prstGeom prst="rect">
+            <a:avLst/>
+          </a:prstGeom>
+          <a:noFill/>
+        </p:spPr>
+        <p:txBody>
+          <a:bodyPr wrap="square" rtlCol="0">
+            <a:spAutoFit/>
+          </a:bodyPr>
+          <a:lstStyle/>
+          <a:p>
+            <a:r>
+              <a:rPr lang="en-US" altLang="zh-TW" sz="2500" dirty="0" smtClean="0">
+                <a:latin typeface="華康粗圓體(P)" panose="020F0700000000000000" pitchFamily="34" charset="-120"/>
+                <a:ea typeface="華康粗圓體(P)" panose="020F0700000000000000" pitchFamily="34" charset="-120"/>
+              </a:rPr>
+              <a:t>Controller</a:t>
+            </a:r>
+            <a:r>
+              <a:rPr lang="zh-TW" altLang="en-US" sz="2500" dirty="0" smtClean="0">
+                <a:latin typeface="華康粗圓體(P)" panose="020F0700000000000000" pitchFamily="34" charset="-120"/>
+                <a:ea typeface="華康粗圓體(P)" panose="020F0700000000000000" pitchFamily="34" charset="-120"/>
+              </a:rPr>
+              <a:t> 拿著資料丟進</a:t>
+            </a:r>
+            <a:r>
+              <a:rPr lang="en-US" altLang="zh-TW" sz="2500" dirty="0" smtClean="0">
+                <a:latin typeface="華康粗圓體(P)" panose="020F0700000000000000" pitchFamily="34" charset="-120"/>
+                <a:ea typeface="華康粗圓體(P)" panose="020F0700000000000000" pitchFamily="34" charset="-120"/>
+              </a:rPr>
+              <a:t>View</a:t>
+            </a:r>
+            <a:r>
+              <a:rPr lang="zh-TW" altLang="en-US" sz="2500" dirty="0">
+                <a:latin typeface="華康粗圓體(P)" panose="020F0700000000000000" pitchFamily="34" charset="-120"/>
+                <a:ea typeface="華康粗圓體(P)" panose="020F0700000000000000" pitchFamily="34" charset="-120"/>
+              </a:rPr>
+              <a:t>裡</a:t>
+            </a:r>
+            <a:r>
+              <a:rPr lang="zh-TW" altLang="en-US" sz="2500" dirty="0" smtClean="0">
+                <a:latin typeface="華康粗圓體(P)" panose="020F0700000000000000" pitchFamily="34" charset="-120"/>
+                <a:ea typeface="華康粗圓體(P)" panose="020F0700000000000000" pitchFamily="34" charset="-120"/>
+              </a:rPr>
+              <a:t>面</a:t>
+            </a:r>
             <a:endParaRPr lang="en-US" altLang="zh-TW" sz="2500" dirty="0" smtClean="0">
               <a:latin typeface="華康粗圓體(P)" panose="020F0700000000000000" pitchFamily="34" charset="-120"/>
               <a:ea typeface="華康粗圓體(P)" panose="020F0700000000000000" pitchFamily="34" charset="-120"/>
@@ -6467,14 +7837,14 @@
       </p:sp>
       <p:sp>
         <p:nvSpPr>
-          <p:cNvPr id="7" name="文字方塊 6"/>
+          <p:cNvPr id="10" name="文字方塊 9"/>
           <p:cNvSpPr txBox="1"/>
           <p:nvPr/>
         </p:nvSpPr>
         <p:spPr>
           <a:xfrm>
-            <a:off x="412117" y="1948093"/>
-            <a:ext cx="7153249" cy="477054"/>
+            <a:off x="412118" y="4107295"/>
+            <a:ext cx="8153912" cy="477054"/>
           </a:xfrm>
           <a:prstGeom prst="rect">
             <a:avLst/>
@@ -6492,49 +7862,134 @@
                 <a:latin typeface="華康粗圓體(P)" panose="020F0700000000000000" pitchFamily="34" charset="-120"/>
                 <a:ea typeface="華康粗圓體(P)" panose="020F0700000000000000" pitchFamily="34" charset="-120"/>
               </a:rPr>
-              <a:t>Controller </a:t>
+              <a:t>View render(</a:t>
             </a:r>
             <a:r>
               <a:rPr lang="zh-TW" altLang="en-US" sz="2500" dirty="0" smtClean="0">
                 <a:latin typeface="華康粗圓體(P)" panose="020F0700000000000000" pitchFamily="34" charset="-120"/>
                 <a:ea typeface="華康粗圓體(P)" panose="020F0700000000000000" pitchFamily="34" charset="-120"/>
               </a:rPr>
-              <a:t>處理</a:t>
+              <a:t>將資料放進該放的地方</a:t>
             </a:r>
             <a:r>
               <a:rPr lang="en-US" altLang="zh-TW" sz="2500" dirty="0" smtClean="0">
                 <a:latin typeface="華康粗圓體(P)" panose="020F0700000000000000" pitchFamily="34" charset="-120"/>
                 <a:ea typeface="華康粗圓體(P)" panose="020F0700000000000000" pitchFamily="34" charset="-120"/>
               </a:rPr>
-              <a:t>request(</a:t>
+              <a:t>)</a:t>
             </a:r>
             <a:r>
               <a:rPr lang="zh-TW" altLang="en-US" sz="2500" dirty="0" smtClean="0">
                 <a:latin typeface="華康粗圓體(P)" panose="020F0700000000000000" pitchFamily="34" charset="-120"/>
                 <a:ea typeface="華康粗圓體(P)" panose="020F0700000000000000" pitchFamily="34" charset="-120"/>
               </a:rPr>
-              <a:t>是否需要</a:t>
+              <a:t>完後傳回給</a:t>
             </a:r>
             <a:r>
               <a:rPr lang="en-US" altLang="zh-TW" sz="2500" dirty="0" smtClean="0">
                 <a:latin typeface="華康粗圓體(P)" panose="020F0700000000000000" pitchFamily="34" charset="-120"/>
                 <a:ea typeface="華康粗圓體(P)" panose="020F0700000000000000" pitchFamily="34" charset="-120"/>
               </a:rPr>
-              <a:t>Model</a:t>
+              <a:t>Controller</a:t>
+            </a:r>
+          </a:p>
+        </p:txBody>
+      </p:sp>
+      <p:sp>
+        <p:nvSpPr>
+          <p:cNvPr id="11" name="文字方塊 10"/>
+          <p:cNvSpPr txBox="1"/>
+          <p:nvPr/>
+        </p:nvSpPr>
+        <p:spPr>
+          <a:xfrm>
+            <a:off x="412118" y="4827029"/>
+            <a:ext cx="4936260" cy="477054"/>
+          </a:xfrm>
+          <a:prstGeom prst="rect">
+            <a:avLst/>
+          </a:prstGeom>
+          <a:noFill/>
+        </p:spPr>
+        <p:txBody>
+          <a:bodyPr wrap="square" rtlCol="0">
+            <a:spAutoFit/>
+          </a:bodyPr>
+          <a:lstStyle/>
+          <a:p>
+            <a:r>
+              <a:rPr lang="en-US" altLang="zh-TW" sz="2500" dirty="0" smtClean="0">
+                <a:latin typeface="華康粗圓體(P)" panose="020F0700000000000000" pitchFamily="34" charset="-120"/>
+                <a:ea typeface="華康粗圓體(P)" panose="020F0700000000000000" pitchFamily="34" charset="-120"/>
+              </a:rPr>
+              <a:t>Controller</a:t>
             </a:r>
             <a:r>
               <a:rPr lang="zh-TW" altLang="en-US" sz="2500" dirty="0" smtClean="0">
                 <a:latin typeface="華康粗圓體(P)" panose="020F0700000000000000" pitchFamily="34" charset="-120"/>
                 <a:ea typeface="華康粗圓體(P)" panose="020F0700000000000000" pitchFamily="34" charset="-120"/>
               </a:rPr>
-              <a:t> 或是 </a:t>
+              <a:t> 將</a:t>
             </a:r>
             <a:r>
               <a:rPr lang="en-US" altLang="zh-TW" sz="2500" dirty="0" smtClean="0">
                 <a:latin typeface="華康粗圓體(P)" panose="020F0700000000000000" pitchFamily="34" charset="-120"/>
                 <a:ea typeface="華康粗圓體(P)" panose="020F0700000000000000" pitchFamily="34" charset="-120"/>
               </a:rPr>
-              <a:t>View)</a:t>
+              <a:t>View</a:t>
+            </a:r>
+            <a:r>
+              <a:rPr lang="zh-TW" altLang="en-US" sz="2500" dirty="0" smtClean="0">
+                <a:latin typeface="華康粗圓體(P)" panose="020F0700000000000000" pitchFamily="34" charset="-120"/>
+                <a:ea typeface="華康粗圓體(P)" panose="020F0700000000000000" pitchFamily="34" charset="-120"/>
+              </a:rPr>
+              <a:t>丟給</a:t>
+            </a:r>
+            <a:r>
+              <a:rPr lang="en-US" altLang="zh-TW" sz="2500" dirty="0" smtClean="0">
+                <a:latin typeface="華康粗圓體(P)" panose="020F0700000000000000" pitchFamily="34" charset="-120"/>
+                <a:ea typeface="華康粗圓體(P)" panose="020F0700000000000000" pitchFamily="34" charset="-120"/>
+              </a:rPr>
+              <a:t>Client</a:t>
+            </a:r>
+          </a:p>
+        </p:txBody>
+      </p:sp>
+      <p:sp>
+        <p:nvSpPr>
+          <p:cNvPr id="12" name="文字方塊 11"/>
+          <p:cNvSpPr txBox="1"/>
+          <p:nvPr/>
+        </p:nvSpPr>
+        <p:spPr>
+          <a:xfrm>
+            <a:off x="412117" y="5546763"/>
+            <a:ext cx="4936260" cy="477054"/>
+          </a:xfrm>
+          <a:prstGeom prst="rect">
+            <a:avLst/>
+          </a:prstGeom>
+          <a:noFill/>
+        </p:spPr>
+        <p:txBody>
+          <a:bodyPr wrap="square" rtlCol="0">
+            <a:spAutoFit/>
+          </a:bodyPr>
+          <a:lstStyle/>
+          <a:p>
+            <a:r>
+              <a:rPr lang="en-US" altLang="zh-TW" sz="2500" dirty="0" smtClean="0">
+                <a:latin typeface="華康粗圓體(P)" panose="020F0700000000000000" pitchFamily="34" charset="-120"/>
+                <a:ea typeface="華康粗圓體(P)" panose="020F0700000000000000" pitchFamily="34" charset="-120"/>
+              </a:rPr>
+              <a:t>Client </a:t>
+            </a:r>
+            <a:r>
+              <a:rPr lang="zh-TW" altLang="en-US" sz="2500" dirty="0" smtClean="0">
+                <a:latin typeface="華康粗圓體(P)" panose="020F0700000000000000" pitchFamily="34" charset="-120"/>
+                <a:ea typeface="華康粗圓體(P)" panose="020F0700000000000000" pitchFamily="34" charset="-120"/>
+              </a:rPr>
+              <a:t>看到網頁</a:t>
             </a:r>
             <a:endParaRPr lang="en-US" altLang="zh-TW" sz="2500" dirty="0" smtClean="0">
               <a:latin typeface="華康粗圓體(P)" panose="020F0700000000000000" pitchFamily="34" charset="-120"/>
@@ -6543,16 +7998,46 @@
           </a:p>
         </p:txBody>
       </p:sp>
-      <p:sp>
-        <p:nvSpPr>
-          <p:cNvPr id="8" name="文字方塊 7"/>
+    </p:spTree>
+    <p:extLst>
+      <p:ext uri="{BB962C8B-B14F-4D97-AF65-F5344CB8AC3E}">
+        <p14:creationId xmlns:p14="http://schemas.microsoft.com/office/powerpoint/2010/main" val="1443833643"/>
+      </p:ext>
+    </p:extLst>
+  </p:cSld>
+  <p:clrMapOvr>
+    <a:masterClrMapping/>
+  </p:clrMapOvr>
+</p:sld>
+</file>
+
+<file path=ppt/slides/slide9.xml><?xml version="1.0" encoding="utf-8"?>
+<p:sld xmlns:a="http://schemas.openxmlformats.org/drawingml/2006/main" xmlns:r="http://schemas.openxmlformats.org/officeDocument/2006/relationships" xmlns:p="http://schemas.openxmlformats.org/presentationml/2006/main">
+  <p:cSld>
+    <p:spTree>
+      <p:nvGrpSpPr>
+        <p:cNvPr id="1" name=""/>
+        <p:cNvGrpSpPr/>
+        <p:nvPr/>
+      </p:nvGrpSpPr>
+      <p:grpSpPr>
+        <a:xfrm>
+          <a:off x="0" y="0"/>
+          <a:ext cx="0" cy="0"/>
+          <a:chOff x="0" y="0"/>
+          <a:chExt cx="0" cy="0"/>
+        </a:xfrm>
+      </p:grpSpPr>
+      <p:sp>
+        <p:nvSpPr>
+          <p:cNvPr id="4" name="文字方塊 3"/>
           <p:cNvSpPr txBox="1"/>
           <p:nvPr/>
         </p:nvSpPr>
         <p:spPr>
           <a:xfrm>
-            <a:off x="412117" y="2667827"/>
-            <a:ext cx="7843361" cy="477054"/>
+            <a:off x="1130060" y="362309"/>
+            <a:ext cx="7401465" cy="861774"/>
           </a:xfrm>
           <a:prstGeom prst="rect">
             <a:avLst/>
@@ -6566,53 +8051,36 @@
           <a:lstStyle/>
           <a:p>
             <a:r>
-              <a:rPr lang="en-US" altLang="zh-TW" sz="2500" dirty="0" smtClean="0">
-                <a:latin typeface="華康粗圓體(P)" panose="020F0700000000000000" pitchFamily="34" charset="-120"/>
-                <a:ea typeface="華康粗圓體(P)" panose="020F0700000000000000" pitchFamily="34" charset="-120"/>
-              </a:rPr>
-              <a:t>Controller </a:t>
-            </a:r>
-            <a:r>
-              <a:rPr lang="zh-TW" altLang="en-US" sz="2500" dirty="0" smtClean="0">
-                <a:latin typeface="華康粗圓體(P)" panose="020F0700000000000000" pitchFamily="34" charset="-120"/>
-                <a:ea typeface="華康粗圓體(P)" panose="020F0700000000000000" pitchFamily="34" charset="-120"/>
-              </a:rPr>
-              <a:t>叫</a:t>
-            </a:r>
-            <a:r>
-              <a:rPr lang="en-US" altLang="zh-TW" sz="2500" dirty="0" smtClean="0">
-                <a:latin typeface="華康粗圓體(P)" panose="020F0700000000000000" pitchFamily="34" charset="-120"/>
-                <a:ea typeface="華康粗圓體(P)" panose="020F0700000000000000" pitchFamily="34" charset="-120"/>
-              </a:rPr>
-              <a:t>Model</a:t>
-            </a:r>
-            <a:r>
-              <a:rPr lang="zh-TW" altLang="en-US" sz="2500" dirty="0" smtClean="0">
-                <a:latin typeface="華康粗圓體(P)" panose="020F0700000000000000" pitchFamily="34" charset="-120"/>
-                <a:ea typeface="華康粗圓體(P)" panose="020F0700000000000000" pitchFamily="34" charset="-120"/>
-              </a:rPr>
-              <a:t>從資料庫拿資料 並回傳給 </a:t>
-            </a:r>
-            <a:r>
-              <a:rPr lang="en-US" altLang="zh-TW" sz="2500" dirty="0" smtClean="0">
-                <a:latin typeface="華康粗圓體(P)" panose="020F0700000000000000" pitchFamily="34" charset="-120"/>
-                <a:ea typeface="華康粗圓體(P)" panose="020F0700000000000000" pitchFamily="34" charset="-120"/>
-              </a:rPr>
-              <a:t>controller</a:t>
-            </a:r>
-          </a:p>
-        </p:txBody>
-      </p:sp>
-      <p:sp>
-        <p:nvSpPr>
-          <p:cNvPr id="9" name="文字方塊 8"/>
+              <a:rPr lang="en-US" altLang="zh-TW" sz="5000" dirty="0" smtClean="0">
+                <a:latin typeface="華康粗圓體(P)" panose="020F0700000000000000" pitchFamily="34" charset="-120"/>
+                <a:ea typeface="華康粗圓體(P)" panose="020F0700000000000000" pitchFamily="34" charset="-120"/>
+              </a:rPr>
+              <a:t>Controller</a:t>
+            </a:r>
+            <a:r>
+              <a:rPr lang="zh-TW" altLang="en-US" sz="5000" dirty="0" smtClean="0">
+                <a:latin typeface="華康粗圓體(P)" panose="020F0700000000000000" pitchFamily="34" charset="-120"/>
+                <a:ea typeface="華康粗圓體(P)" panose="020F0700000000000000" pitchFamily="34" charset="-120"/>
+              </a:rPr>
+              <a:t> 細說</a:t>
+            </a:r>
+            <a:endParaRPr lang="zh-TW" altLang="en-US" sz="5000" dirty="0">
+              <a:latin typeface="華康粗圓體(P)" panose="020F0700000000000000" pitchFamily="34" charset="-120"/>
+              <a:ea typeface="華康粗圓體(P)" panose="020F0700000000000000" pitchFamily="34" charset="-120"/>
+            </a:endParaRPr>
+          </a:p>
+        </p:txBody>
+      </p:sp>
+      <p:sp>
+        <p:nvSpPr>
+          <p:cNvPr id="5" name="文字方塊 4"/>
           <p:cNvSpPr txBox="1"/>
           <p:nvPr/>
         </p:nvSpPr>
         <p:spPr>
           <a:xfrm>
-            <a:off x="412118" y="3387561"/>
-            <a:ext cx="4936260" cy="477054"/>
+            <a:off x="865654" y="2906064"/>
+            <a:ext cx="10765767" cy="630942"/>
           </a:xfrm>
           <a:prstGeom prst="rect">
             <a:avLst/>
@@ -6626,48 +8094,34 @@
           <a:lstStyle/>
           <a:p>
             <a:r>
-              <a:rPr lang="en-US" altLang="zh-TW" sz="2500" dirty="0" smtClean="0">
-                <a:latin typeface="華康粗圓體(P)" panose="020F0700000000000000" pitchFamily="34" charset="-120"/>
-                <a:ea typeface="華康粗圓體(P)" panose="020F0700000000000000" pitchFamily="34" charset="-120"/>
-              </a:rPr>
-              <a:t>Controller</a:t>
-            </a:r>
-            <a:r>
-              <a:rPr lang="zh-TW" altLang="en-US" sz="2500" dirty="0" smtClean="0">
-                <a:latin typeface="華康粗圓體(P)" panose="020F0700000000000000" pitchFamily="34" charset="-120"/>
-                <a:ea typeface="華康粗圓體(P)" panose="020F0700000000000000" pitchFamily="34" charset="-120"/>
-              </a:rPr>
-              <a:t> 拿著</a:t>
-            </a:r>
-            <a:r>
-              <a:rPr lang="zh-TW" altLang="en-US" sz="2500" dirty="0" smtClean="0">
-                <a:latin typeface="華康粗圓體(P)" panose="020F0700000000000000" pitchFamily="34" charset="-120"/>
-                <a:ea typeface="華康粗圓體(P)" panose="020F0700000000000000" pitchFamily="34" charset="-120"/>
-              </a:rPr>
-              <a:t>資料丟進</a:t>
-            </a:r>
-            <a:r>
-              <a:rPr lang="en-US" altLang="zh-TW" sz="2500" dirty="0" smtClean="0">
-                <a:latin typeface="華康粗圓體(P)" panose="020F0700000000000000" pitchFamily="34" charset="-120"/>
-                <a:ea typeface="華康粗圓體(P)" panose="020F0700000000000000" pitchFamily="34" charset="-120"/>
-              </a:rPr>
-              <a:t>View</a:t>
-            </a:r>
-            <a:r>
-              <a:rPr lang="zh-TW" altLang="en-US" sz="2500" dirty="0">
-                <a:latin typeface="華康粗圓體(P)" panose="020F0700000000000000" pitchFamily="34" charset="-120"/>
-                <a:ea typeface="華康粗圓體(P)" panose="020F0700000000000000" pitchFamily="34" charset="-120"/>
-              </a:rPr>
-              <a:t>裡</a:t>
-            </a:r>
-            <a:r>
-              <a:rPr lang="zh-TW" altLang="en-US" sz="2500" dirty="0" smtClean="0">
-                <a:latin typeface="華康粗圓體(P)" panose="020F0700000000000000" pitchFamily="34" charset="-120"/>
-                <a:ea typeface="華康粗圓體(P)" panose="020F0700000000000000" pitchFamily="34" charset="-120"/>
-              </a:rPr>
-              <a:t>面</a:t>
-            </a:r>
-            <a:endParaRPr lang="en-US" altLang="zh-TW" sz="2500" dirty="0" smtClean="0">
+              <a:rPr lang="en-US" altLang="zh-TW" sz="3500" dirty="0" smtClean="0">
+                <a:latin typeface="華康粗圓體(P)" panose="020F0700000000000000" pitchFamily="34" charset="-120"/>
+                <a:ea typeface="華康粗圓體(P)" panose="020F0700000000000000" pitchFamily="34" charset="-120"/>
+              </a:rPr>
+              <a:t>Controller </a:t>
+            </a:r>
+            <a:r>
+              <a:rPr lang="zh-TW" altLang="en-US" sz="3500" dirty="0" smtClean="0">
+                <a:latin typeface="華康粗圓體(P)" panose="020F0700000000000000" pitchFamily="34" charset="-120"/>
+                <a:ea typeface="華康粗圓體(P)" panose="020F0700000000000000" pitchFamily="34" charset="-120"/>
+              </a:rPr>
+              <a:t>中包含許多</a:t>
+            </a:r>
+            <a:r>
+              <a:rPr lang="en-US" altLang="zh-TW" sz="3500" dirty="0" smtClean="0">
+                <a:latin typeface="華康粗圓體(P)" panose="020F0700000000000000" pitchFamily="34" charset="-120"/>
+                <a:ea typeface="華康粗圓體(P)" panose="020F0700000000000000" pitchFamily="34" charset="-120"/>
+              </a:rPr>
+              <a:t>Action</a:t>
+            </a:r>
+            <a:r>
+              <a:rPr lang="zh-TW" altLang="en-US" sz="3500" dirty="0" smtClean="0">
+                <a:latin typeface="華康粗圓體(P)" panose="020F0700000000000000" pitchFamily="34" charset="-120"/>
+                <a:ea typeface="華康粗圓體(P)" panose="020F0700000000000000" pitchFamily="34" charset="-120"/>
+              </a:rPr>
+              <a:t>，就遙控器上有許多按鈕</a:t>
+            </a:r>
+            <a:endParaRPr lang="en-US" altLang="zh-TW" sz="3500" dirty="0" smtClean="0">
               <a:latin typeface="華康粗圓體(P)" panose="020F0700000000000000" pitchFamily="34" charset="-120"/>
               <a:ea typeface="華康粗圓體(P)" panose="020F0700000000000000" pitchFamily="34" charset="-120"/>
             </a:endParaRPr>
@@ -6676,14 +8130,14 @@
       </p:sp>
       <p:sp>
         <p:nvSpPr>
-          <p:cNvPr id="10" name="文字方塊 9"/>
+          <p:cNvPr id="6" name="文字方塊 5"/>
           <p:cNvSpPr txBox="1"/>
           <p:nvPr/>
         </p:nvSpPr>
         <p:spPr>
           <a:xfrm>
-            <a:off x="412118" y="4107295"/>
-            <a:ext cx="8153912" cy="477054"/>
+            <a:off x="865654" y="3537006"/>
+            <a:ext cx="7584283" cy="630942"/>
           </a:xfrm>
           <a:prstGeom prst="rect">
             <a:avLst/>
@@ -6697,140 +8151,48 @@
           <a:lstStyle/>
           <a:p>
             <a:r>
-              <a:rPr lang="en-US" altLang="zh-TW" sz="2500" dirty="0" smtClean="0">
-                <a:latin typeface="華康粗圓體(P)" panose="020F0700000000000000" pitchFamily="34" charset="-120"/>
-                <a:ea typeface="華康粗圓體(P)" panose="020F0700000000000000" pitchFamily="34" charset="-120"/>
-              </a:rPr>
-              <a:t>View render(</a:t>
-            </a:r>
-            <a:r>
-              <a:rPr lang="zh-TW" altLang="en-US" sz="2500" dirty="0" smtClean="0">
-                <a:latin typeface="華康粗圓體(P)" panose="020F0700000000000000" pitchFamily="34" charset="-120"/>
-                <a:ea typeface="華康粗圓體(P)" panose="020F0700000000000000" pitchFamily="34" charset="-120"/>
-              </a:rPr>
-              <a:t>將資料放進該放的地方</a:t>
-            </a:r>
-            <a:r>
-              <a:rPr lang="en-US" altLang="zh-TW" sz="2500" dirty="0" smtClean="0">
+              <a:rPr lang="zh-TW" altLang="en-US" sz="3500" dirty="0" smtClean="0">
+                <a:latin typeface="華康粗圓體(P)" panose="020F0700000000000000" pitchFamily="34" charset="-120"/>
+                <a:ea typeface="華康粗圓體(P)" panose="020F0700000000000000" pitchFamily="34" charset="-120"/>
+              </a:rPr>
+              <a:t>而</a:t>
+            </a:r>
+            <a:r>
+              <a:rPr lang="en-US" altLang="zh-TW" sz="3500" dirty="0" smtClean="0">
+                <a:latin typeface="華康粗圓體(P)" panose="020F0700000000000000" pitchFamily="34" charset="-120"/>
+                <a:ea typeface="華康粗圓體(P)" panose="020F0700000000000000" pitchFamily="34" charset="-120"/>
+              </a:rPr>
+              <a:t>Action(</a:t>
+            </a:r>
+            <a:r>
+              <a:rPr lang="zh-TW" altLang="en-US" sz="3500" dirty="0">
+                <a:latin typeface="華康粗圓體(P)" panose="020F0700000000000000" pitchFamily="34" charset="-120"/>
+                <a:ea typeface="華康粗圓體(P)" panose="020F0700000000000000" pitchFamily="34" charset="-120"/>
+              </a:rPr>
+              <a:t>按</a:t>
+            </a:r>
+            <a:r>
+              <a:rPr lang="zh-TW" altLang="en-US" sz="3500" dirty="0" smtClean="0">
+                <a:latin typeface="華康粗圓體(P)" panose="020F0700000000000000" pitchFamily="34" charset="-120"/>
+                <a:ea typeface="華康粗圓體(P)" panose="020F0700000000000000" pitchFamily="34" charset="-120"/>
+              </a:rPr>
+              <a:t>鈕</a:t>
+            </a:r>
+            <a:r>
+              <a:rPr lang="en-US" altLang="zh-TW" sz="3500" dirty="0" smtClean="0">
                 <a:latin typeface="華康粗圓體(P)" panose="020F0700000000000000" pitchFamily="34" charset="-120"/>
                 <a:ea typeface="華康粗圓體(P)" panose="020F0700000000000000" pitchFamily="34" charset="-120"/>
               </a:rPr>
               <a:t>)</a:t>
             </a:r>
             <a:r>
-              <a:rPr lang="zh-TW" altLang="en-US" sz="2500" dirty="0" smtClean="0">
-                <a:latin typeface="華康粗圓體(P)" panose="020F0700000000000000" pitchFamily="34" charset="-120"/>
-                <a:ea typeface="華康粗圓體(P)" panose="020F0700000000000000" pitchFamily="34" charset="-120"/>
-              </a:rPr>
-              <a:t>完後傳回給</a:t>
-            </a:r>
-            <a:r>
-              <a:rPr lang="en-US" altLang="zh-TW" sz="2500" dirty="0" smtClean="0">
-                <a:latin typeface="華康粗圓體(P)" panose="020F0700000000000000" pitchFamily="34" charset="-120"/>
-                <a:ea typeface="華康粗圓體(P)" panose="020F0700000000000000" pitchFamily="34" charset="-120"/>
-              </a:rPr>
-              <a:t>Controller</a:t>
-            </a:r>
-          </a:p>
-        </p:txBody>
-      </p:sp>
-      <p:sp>
-        <p:nvSpPr>
-          <p:cNvPr id="11" name="文字方塊 10"/>
-          <p:cNvSpPr txBox="1"/>
-          <p:nvPr/>
-        </p:nvSpPr>
-        <p:spPr>
-          <a:xfrm>
-            <a:off x="412118" y="4827029"/>
-            <a:ext cx="4936260" cy="477054"/>
-          </a:xfrm>
-          <a:prstGeom prst="rect">
-            <a:avLst/>
-          </a:prstGeom>
-          <a:noFill/>
-        </p:spPr>
-        <p:txBody>
-          <a:bodyPr wrap="square" rtlCol="0">
-            <a:spAutoFit/>
-          </a:bodyPr>
-          <a:lstStyle/>
-          <a:p>
-            <a:r>
-              <a:rPr lang="en-US" altLang="zh-TW" sz="2500" dirty="0" smtClean="0">
-                <a:latin typeface="華康粗圓體(P)" panose="020F0700000000000000" pitchFamily="34" charset="-120"/>
-                <a:ea typeface="華康粗圓體(P)" panose="020F0700000000000000" pitchFamily="34" charset="-120"/>
-              </a:rPr>
-              <a:t>Controller</a:t>
-            </a:r>
-            <a:r>
-              <a:rPr lang="zh-TW" altLang="en-US" sz="2500" dirty="0" smtClean="0">
-                <a:latin typeface="華康粗圓體(P)" panose="020F0700000000000000" pitchFamily="34" charset="-120"/>
-                <a:ea typeface="華康粗圓體(P)" panose="020F0700000000000000" pitchFamily="34" charset="-120"/>
-              </a:rPr>
-              <a:t> 將</a:t>
-            </a:r>
-            <a:r>
-              <a:rPr lang="en-US" altLang="zh-TW" sz="2500" dirty="0" smtClean="0">
-                <a:latin typeface="華康粗圓體(P)" panose="020F0700000000000000" pitchFamily="34" charset="-120"/>
-                <a:ea typeface="華康粗圓體(P)" panose="020F0700000000000000" pitchFamily="34" charset="-120"/>
-              </a:rPr>
-              <a:t>View</a:t>
-            </a:r>
-            <a:r>
-              <a:rPr lang="zh-TW" altLang="en-US" sz="2500" dirty="0" smtClean="0">
-                <a:latin typeface="華康粗圓體(P)" panose="020F0700000000000000" pitchFamily="34" charset="-120"/>
-                <a:ea typeface="華康粗圓體(P)" panose="020F0700000000000000" pitchFamily="34" charset="-120"/>
-              </a:rPr>
-              <a:t>丟給</a:t>
-            </a:r>
-            <a:r>
-              <a:rPr lang="en-US" altLang="zh-TW" sz="2500" dirty="0" smtClean="0">
-                <a:latin typeface="華康粗圓體(P)" panose="020F0700000000000000" pitchFamily="34" charset="-120"/>
-                <a:ea typeface="華康粗圓體(P)" panose="020F0700000000000000" pitchFamily="34" charset="-120"/>
-              </a:rPr>
-              <a:t>Client</a:t>
-            </a:r>
-          </a:p>
-        </p:txBody>
-      </p:sp>
-      <p:sp>
-        <p:nvSpPr>
-          <p:cNvPr id="12" name="文字方塊 11"/>
-          <p:cNvSpPr txBox="1"/>
-          <p:nvPr/>
-        </p:nvSpPr>
-        <p:spPr>
-          <a:xfrm>
-            <a:off x="412117" y="5546763"/>
-            <a:ext cx="4936260" cy="477054"/>
-          </a:xfrm>
-          <a:prstGeom prst="rect">
-            <a:avLst/>
-          </a:prstGeom>
-          <a:noFill/>
-        </p:spPr>
-        <p:txBody>
-          <a:bodyPr wrap="square" rtlCol="0">
-            <a:spAutoFit/>
-          </a:bodyPr>
-          <a:lstStyle/>
-          <a:p>
-            <a:r>
-              <a:rPr lang="en-US" altLang="zh-TW" sz="2500" dirty="0" smtClean="0">
-                <a:latin typeface="華康粗圓體(P)" panose="020F0700000000000000" pitchFamily="34" charset="-120"/>
-                <a:ea typeface="華康粗圓體(P)" panose="020F0700000000000000" pitchFamily="34" charset="-120"/>
-              </a:rPr>
-              <a:t>Client </a:t>
-            </a:r>
-            <a:r>
-              <a:rPr lang="zh-TW" altLang="en-US" sz="2500" dirty="0" smtClean="0">
-                <a:latin typeface="華康粗圓體(P)" panose="020F0700000000000000" pitchFamily="34" charset="-120"/>
-                <a:ea typeface="華康粗圓體(P)" panose="020F0700000000000000" pitchFamily="34" charset="-120"/>
-              </a:rPr>
-              <a:t>看到網頁</a:t>
-            </a:r>
-            <a:endParaRPr lang="en-US" altLang="zh-TW" sz="2500" dirty="0" smtClean="0">
+              <a:rPr lang="zh-TW" altLang="en-US" sz="3500" dirty="0" smtClean="0">
+                <a:latin typeface="華康粗圓體(P)" panose="020F0700000000000000" pitchFamily="34" charset="-120"/>
+                <a:ea typeface="華康粗圓體(P)" panose="020F0700000000000000" pitchFamily="34" charset="-120"/>
+              </a:rPr>
+              <a:t>就是真正在做事的地方</a:t>
+            </a:r>
+            <a:endParaRPr lang="en-US" altLang="zh-TW" sz="3500" dirty="0" smtClean="0">
               <a:latin typeface="華康粗圓體(P)" panose="020F0700000000000000" pitchFamily="34" charset="-120"/>
               <a:ea typeface="華康粗圓體(P)" panose="020F0700000000000000" pitchFamily="34" charset="-120"/>
             </a:endParaRPr>
@@ -6840,7 +8202,7 @@
     </p:spTree>
     <p:extLst>
       <p:ext uri="{BB962C8B-B14F-4D97-AF65-F5344CB8AC3E}">
-        <p14:creationId xmlns:p14="http://schemas.microsoft.com/office/powerpoint/2010/main" val="1443833643"/>
+        <p14:creationId xmlns:p14="http://schemas.microsoft.com/office/powerpoint/2010/main" val="4084317061"/>
       </p:ext>
     </p:extLst>
   </p:cSld>
